--- a/Document/전국용 교사앱.pptx
+++ b/Document/전국용 교사앱.pptx
@@ -21,12 +21,13 @@
     <p:sldId id="300" r:id="rId15"/>
     <p:sldId id="301" r:id="rId16"/>
     <p:sldId id="302" r:id="rId17"/>
-    <p:sldId id="303" r:id="rId18"/>
-    <p:sldId id="304" r:id="rId19"/>
-    <p:sldId id="308" r:id="rId20"/>
-    <p:sldId id="309" r:id="rId21"/>
-    <p:sldId id="280" r:id="rId22"/>
-    <p:sldId id="281" r:id="rId23"/>
+    <p:sldId id="311" r:id="rId18"/>
+    <p:sldId id="303" r:id="rId19"/>
+    <p:sldId id="304" r:id="rId20"/>
+    <p:sldId id="308" r:id="rId21"/>
+    <p:sldId id="309" r:id="rId22"/>
+    <p:sldId id="280" r:id="rId23"/>
+    <p:sldId id="281" r:id="rId24"/>
   </p:sldIdLst>
   <p:sldSz cx="12192000" cy="6858000"/>
   <p:notesSz cx="6858000" cy="9144000"/>
@@ -4241,7 +4242,7 @@
           <a:p>
             <a:fld id="{FC5D97CE-993F-4AB9-BCEA-01A35386BA3B}" type="datetimeFigureOut">
               <a:rPr lang="ko-KR" altLang="en-US" smtClean="0"/>
-              <a:t>2017-07-27</a:t>
+              <a:t>2017-08-04</a:t>
             </a:fld>
             <a:endParaRPr lang="ko-KR" altLang="en-US"/>
           </a:p>
@@ -4409,7 +4410,7 @@
           <a:p>
             <a:fld id="{FC5D97CE-993F-4AB9-BCEA-01A35386BA3B}" type="datetimeFigureOut">
               <a:rPr lang="ko-KR" altLang="en-US" smtClean="0"/>
-              <a:t>2017-07-27</a:t>
+              <a:t>2017-08-04</a:t>
             </a:fld>
             <a:endParaRPr lang="ko-KR" altLang="en-US"/>
           </a:p>
@@ -4587,7 +4588,7 @@
           <a:p>
             <a:fld id="{FC5D97CE-993F-4AB9-BCEA-01A35386BA3B}" type="datetimeFigureOut">
               <a:rPr lang="ko-KR" altLang="en-US" smtClean="0"/>
-              <a:t>2017-07-27</a:t>
+              <a:t>2017-08-04</a:t>
             </a:fld>
             <a:endParaRPr lang="ko-KR" altLang="en-US"/>
           </a:p>
@@ -4755,7 +4756,7 @@
           <a:p>
             <a:fld id="{FC5D97CE-993F-4AB9-BCEA-01A35386BA3B}" type="datetimeFigureOut">
               <a:rPr lang="ko-KR" altLang="en-US" smtClean="0"/>
-              <a:t>2017-07-27</a:t>
+              <a:t>2017-08-04</a:t>
             </a:fld>
             <a:endParaRPr lang="ko-KR" altLang="en-US"/>
           </a:p>
@@ -5000,7 +5001,7 @@
           <a:p>
             <a:fld id="{FC5D97CE-993F-4AB9-BCEA-01A35386BA3B}" type="datetimeFigureOut">
               <a:rPr lang="ko-KR" altLang="en-US" smtClean="0"/>
-              <a:t>2017-07-27</a:t>
+              <a:t>2017-08-04</a:t>
             </a:fld>
             <a:endParaRPr lang="ko-KR" altLang="en-US"/>
           </a:p>
@@ -5229,7 +5230,7 @@
           <a:p>
             <a:fld id="{FC5D97CE-993F-4AB9-BCEA-01A35386BA3B}" type="datetimeFigureOut">
               <a:rPr lang="ko-KR" altLang="en-US" smtClean="0"/>
-              <a:t>2017-07-27</a:t>
+              <a:t>2017-08-04</a:t>
             </a:fld>
             <a:endParaRPr lang="ko-KR" altLang="en-US"/>
           </a:p>
@@ -5593,7 +5594,7 @@
           <a:p>
             <a:fld id="{FC5D97CE-993F-4AB9-BCEA-01A35386BA3B}" type="datetimeFigureOut">
               <a:rPr lang="ko-KR" altLang="en-US" smtClean="0"/>
-              <a:t>2017-07-27</a:t>
+              <a:t>2017-08-04</a:t>
             </a:fld>
             <a:endParaRPr lang="ko-KR" altLang="en-US"/>
           </a:p>
@@ -5710,7 +5711,7 @@
           <a:p>
             <a:fld id="{FC5D97CE-993F-4AB9-BCEA-01A35386BA3B}" type="datetimeFigureOut">
               <a:rPr lang="ko-KR" altLang="en-US" smtClean="0"/>
-              <a:t>2017-07-27</a:t>
+              <a:t>2017-08-04</a:t>
             </a:fld>
             <a:endParaRPr lang="ko-KR" altLang="en-US"/>
           </a:p>
@@ -5805,7 +5806,7 @@
           <a:p>
             <a:fld id="{FC5D97CE-993F-4AB9-BCEA-01A35386BA3B}" type="datetimeFigureOut">
               <a:rPr lang="ko-KR" altLang="en-US" smtClean="0"/>
-              <a:t>2017-07-27</a:t>
+              <a:t>2017-08-04</a:t>
             </a:fld>
             <a:endParaRPr lang="ko-KR" altLang="en-US"/>
           </a:p>
@@ -6080,7 +6081,7 @@
           <a:p>
             <a:fld id="{FC5D97CE-993F-4AB9-BCEA-01A35386BA3B}" type="datetimeFigureOut">
               <a:rPr lang="ko-KR" altLang="en-US" smtClean="0"/>
-              <a:t>2017-07-27</a:t>
+              <a:t>2017-08-04</a:t>
             </a:fld>
             <a:endParaRPr lang="ko-KR" altLang="en-US"/>
           </a:p>
@@ -6332,7 +6333,7 @@
           <a:p>
             <a:fld id="{FC5D97CE-993F-4AB9-BCEA-01A35386BA3B}" type="datetimeFigureOut">
               <a:rPr lang="ko-KR" altLang="en-US" smtClean="0"/>
-              <a:t>2017-07-27</a:t>
+              <a:t>2017-08-04</a:t>
             </a:fld>
             <a:endParaRPr lang="ko-KR" altLang="en-US"/>
           </a:p>
@@ -6543,7 +6544,7 @@
           <a:p>
             <a:fld id="{FC5D97CE-993F-4AB9-BCEA-01A35386BA3B}" type="datetimeFigureOut">
               <a:rPr lang="ko-KR" altLang="en-US" smtClean="0"/>
-              <a:t>2017-07-27</a:t>
+              <a:t>2017-08-04</a:t>
             </a:fld>
             <a:endParaRPr lang="ko-KR" altLang="en-US"/>
           </a:p>
@@ -15350,8 +15351,8 @@
         </p:nvSpPr>
         <p:spPr>
           <a:xfrm>
-            <a:off x="271024" y="6150119"/>
-            <a:ext cx="1667619" cy="525517"/>
+            <a:off x="271025" y="6150119"/>
+            <a:ext cx="1105680" cy="525517"/>
           </a:xfrm>
           <a:prstGeom prst="rect">
             <a:avLst/>
@@ -15403,8 +15404,8 @@
         </p:nvSpPr>
         <p:spPr>
           <a:xfrm>
-            <a:off x="2837080" y="6129098"/>
-            <a:ext cx="1667619" cy="525517"/>
+            <a:off x="1786302" y="6140901"/>
+            <a:ext cx="1029431" cy="525517"/>
           </a:xfrm>
           <a:prstGeom prst="rect">
             <a:avLst/>
@@ -15502,6 +15503,56 @@
                 </a:outerShdw>
               </a:effectLst>
             </a:endParaRPr>
+          </a:p>
+        </p:txBody>
+      </p:sp>
+      <p:sp>
+        <p:nvSpPr>
+          <p:cNvPr id="33" name="직사각형 32">
+            <a:hlinkClick r:id="rId7" action="ppaction://hlinksldjump"/>
+            <a:extLst>
+              <a:ext uri="{FF2B5EF4-FFF2-40B4-BE49-F238E27FC236}">
+                <a16:creationId xmlns:a16="http://schemas.microsoft.com/office/drawing/2014/main" id="{A8E9E594-81B0-4622-B004-A7A08B94216D}"/>
+              </a:ext>
+            </a:extLst>
+          </p:cNvPr>
+          <p:cNvSpPr/>
+          <p:nvPr/>
+        </p:nvSpPr>
+        <p:spPr>
+          <a:xfrm>
+            <a:off x="3225331" y="6150116"/>
+            <a:ext cx="1143661" cy="525517"/>
+          </a:xfrm>
+          <a:prstGeom prst="rect">
+            <a:avLst/>
+          </a:prstGeom>
+        </p:spPr>
+        <p:style>
+          <a:lnRef idx="2">
+            <a:schemeClr val="accent1">
+              <a:shade val="50000"/>
+            </a:schemeClr>
+          </a:lnRef>
+          <a:fillRef idx="1">
+            <a:schemeClr val="accent1"/>
+          </a:fillRef>
+          <a:effectRef idx="0">
+            <a:schemeClr val="accent1"/>
+          </a:effectRef>
+          <a:fontRef idx="minor">
+            <a:schemeClr val="lt1"/>
+          </a:fontRef>
+        </p:style>
+        <p:txBody>
+          <a:bodyPr rtlCol="0" anchor="ctr"/>
+          <a:lstStyle/>
+          <a:p>
+            <a:pPr algn="ctr"/>
+            <a:r>
+              <a:rPr lang="ko-KR" altLang="en-US" dirty="0"/>
+              <a:t>정규분포</a:t>
+            </a:r>
           </a:p>
         </p:txBody>
       </p:sp>
@@ -16582,8 +16633,8 @@
         </p:nvSpPr>
         <p:spPr>
           <a:xfrm>
-            <a:off x="271024" y="6150119"/>
-            <a:ext cx="1667619" cy="525517"/>
+            <a:off x="271025" y="6150119"/>
+            <a:ext cx="1232458" cy="525517"/>
           </a:xfrm>
           <a:prstGeom prst="rect">
             <a:avLst/>
@@ -16631,8 +16682,8 @@
         </p:nvSpPr>
         <p:spPr>
           <a:xfrm>
-            <a:off x="2837080" y="6129098"/>
-            <a:ext cx="1667619" cy="525517"/>
+            <a:off x="1767005" y="6150115"/>
+            <a:ext cx="1166747" cy="525517"/>
           </a:xfrm>
           <a:prstGeom prst="rect">
             <a:avLst/>
@@ -16761,6 +16812,56 @@
                 </a:outerShdw>
               </a:effectLst>
             </a:endParaRPr>
+          </a:p>
+        </p:txBody>
+      </p:sp>
+      <p:sp>
+        <p:nvSpPr>
+          <p:cNvPr id="34" name="직사각형 33">
+            <a:hlinkClick r:id="rId7" action="ppaction://hlinksldjump"/>
+            <a:extLst>
+              <a:ext uri="{FF2B5EF4-FFF2-40B4-BE49-F238E27FC236}">
+                <a16:creationId xmlns:a16="http://schemas.microsoft.com/office/drawing/2014/main" id="{975183FE-4D9B-4AA2-9823-487DF8DDA84E}"/>
+              </a:ext>
+            </a:extLst>
+          </p:cNvPr>
+          <p:cNvSpPr/>
+          <p:nvPr/>
+        </p:nvSpPr>
+        <p:spPr>
+          <a:xfrm>
+            <a:off x="3225331" y="6150116"/>
+            <a:ext cx="1143661" cy="525517"/>
+          </a:xfrm>
+          <a:prstGeom prst="rect">
+            <a:avLst/>
+          </a:prstGeom>
+        </p:spPr>
+        <p:style>
+          <a:lnRef idx="2">
+            <a:schemeClr val="accent1">
+              <a:shade val="50000"/>
+            </a:schemeClr>
+          </a:lnRef>
+          <a:fillRef idx="1">
+            <a:schemeClr val="accent1"/>
+          </a:fillRef>
+          <a:effectRef idx="0">
+            <a:schemeClr val="accent1"/>
+          </a:effectRef>
+          <a:fontRef idx="minor">
+            <a:schemeClr val="lt1"/>
+          </a:fontRef>
+        </p:style>
+        <p:txBody>
+          <a:bodyPr rtlCol="0" anchor="ctr"/>
+          <a:lstStyle/>
+          <a:p>
+            <a:pPr algn="ctr"/>
+            <a:r>
+              <a:rPr lang="ko-KR" altLang="en-US" dirty="0"/>
+              <a:t>정규분포</a:t>
+            </a:r>
           </a:p>
         </p:txBody>
       </p:sp>
@@ -16968,7 +17069,7 @@
         <p:spPr>
           <a:xfrm>
             <a:off x="5029200" y="386080"/>
-            <a:ext cx="6725920" cy="1754326"/>
+            <a:ext cx="6725920" cy="2585323"/>
           </a:xfrm>
           <a:prstGeom prst="rect">
             <a:avLst/>
@@ -16981,13 +17082,34 @@
           </a:bodyPr>
           <a:lstStyle/>
           <a:p>
+            <a:pPr>
+              <a:lnSpc>
+                <a:spcPct val="150000"/>
+              </a:lnSpc>
+            </a:pPr>
             <a:r>
               <a:rPr lang="ko-KR" altLang="en-US" dirty="0">
                 <a:solidFill>
                   <a:srgbClr val="0070C0"/>
                 </a:solidFill>
               </a:rPr>
-              <a:t>순발력 페이지</a:t>
+              <a:t>이것은 누적 </a:t>
+            </a:r>
+            <a:r>
+              <a:rPr lang="ko-KR" altLang="en-US" dirty="0" err="1">
+                <a:solidFill>
+                  <a:srgbClr val="0070C0"/>
+                </a:solidFill>
+              </a:rPr>
+              <a:t>꺽은</a:t>
+            </a:r>
+            <a:r>
+              <a:rPr lang="ko-KR" altLang="en-US" dirty="0">
+                <a:solidFill>
+                  <a:srgbClr val="0070C0"/>
+                </a:solidFill>
+              </a:rPr>
+              <a:t> 선 그래프</a:t>
             </a:r>
             <a:endParaRPr lang="en-US" altLang="ko-KR" dirty="0">
               <a:solidFill>
@@ -16996,14 +17118,66 @@
             </a:endParaRPr>
           </a:p>
           <a:p>
+            <a:pPr>
+              <a:lnSpc>
+                <a:spcPct val="150000"/>
+              </a:lnSpc>
+            </a:pPr>
             <a:r>
               <a:rPr lang="ko-KR" altLang="en-US" dirty="0">
                 <a:solidFill>
                   <a:srgbClr val="0070C0"/>
                 </a:solidFill>
               </a:rPr>
-              <a:t>날짜와 시간이 나오면 좋겠음</a:t>
-            </a:r>
+              <a:t>이것을 보면 학년 평균과 내가 </a:t>
+            </a:r>
+            <a:r>
+              <a:rPr lang="ko-KR" altLang="en-US" dirty="0" err="1">
+                <a:solidFill>
+                  <a:srgbClr val="0070C0"/>
+                </a:solidFill>
+              </a:rPr>
+              <a:t>업치락</a:t>
+            </a:r>
+            <a:r>
+              <a:rPr lang="ko-KR" altLang="en-US" dirty="0">
+                <a:solidFill>
+                  <a:srgbClr val="0070C0"/>
+                </a:solidFill>
+              </a:rPr>
+              <a:t> </a:t>
+            </a:r>
+            <a:r>
+              <a:rPr lang="ko-KR" altLang="en-US" dirty="0" err="1">
+                <a:solidFill>
+                  <a:srgbClr val="0070C0"/>
+                </a:solidFill>
+              </a:rPr>
+              <a:t>뒤치락</a:t>
+            </a:r>
+            <a:r>
+              <a:rPr lang="ko-KR" altLang="en-US" dirty="0">
+                <a:solidFill>
+                  <a:srgbClr val="0070C0"/>
+                </a:solidFill>
+              </a:rPr>
+              <a:t> 하는 모습을 상상할 수 있음</a:t>
+            </a:r>
+            <a:r>
+              <a:rPr lang="en-US" altLang="ko-KR" dirty="0">
+                <a:solidFill>
+                  <a:srgbClr val="0070C0"/>
+                </a:solidFill>
+              </a:rPr>
+              <a:t>.</a:t>
+            </a:r>
+          </a:p>
+          <a:p>
+            <a:pPr>
+              <a:lnSpc>
+                <a:spcPct val="150000"/>
+              </a:lnSpc>
+            </a:pPr>
             <a:endParaRPr lang="en-US" altLang="ko-KR" dirty="0">
               <a:solidFill>
                 <a:srgbClr val="0070C0"/>
@@ -17011,24 +17185,19 @@
             </a:endParaRPr>
           </a:p>
           <a:p>
+            <a:pPr>
+              <a:lnSpc>
+                <a:spcPct val="150000"/>
+              </a:lnSpc>
+            </a:pPr>
             <a:r>
               <a:rPr lang="ko-KR" altLang="en-US" dirty="0">
                 <a:solidFill>
-                  <a:srgbClr val="0070C0"/>
+                  <a:srgbClr val="FF0000"/>
                 </a:solidFill>
               </a:rPr>
-              <a:t>시간은 소수점까지 나오면 좋겠음</a:t>
-            </a:r>
-            <a:r>
-              <a:rPr lang="en-US" altLang="ko-KR" dirty="0">
-                <a:solidFill>
-                  <a:srgbClr val="0070C0"/>
-                </a:solidFill>
-              </a:rPr>
-              <a:t>.</a:t>
-            </a:r>
-          </a:p>
-          <a:p>
+              <a:t>구간 클릭</a:t>
+            </a:r>
             <a:endParaRPr lang="en-US" altLang="ko-KR" dirty="0">
               <a:solidFill>
                 <a:srgbClr val="FF0000"/>
@@ -17036,61 +17205,11 @@
             </a:endParaRPr>
           </a:p>
           <a:p>
-            <a:r>
-              <a:rPr lang="en-US" altLang="ko-KR" dirty="0">
-                <a:solidFill>
-                  <a:srgbClr val="FF0000"/>
-                </a:solidFill>
-              </a:rPr>
-              <a:t>2017</a:t>
-            </a:r>
-            <a:r>
-              <a:rPr lang="ko-KR" altLang="en-US" dirty="0">
-                <a:solidFill>
-                  <a:srgbClr val="FF0000"/>
-                </a:solidFill>
-              </a:rPr>
-              <a:t>년 </a:t>
-            </a:r>
-            <a:r>
-              <a:rPr lang="en-US" altLang="ko-KR" dirty="0">
-                <a:solidFill>
-                  <a:srgbClr val="FF0000"/>
-                </a:solidFill>
-              </a:rPr>
-              <a:t>7</a:t>
-            </a:r>
-            <a:r>
-              <a:rPr lang="ko-KR" altLang="en-US" dirty="0">
-                <a:solidFill>
-                  <a:srgbClr val="FF0000"/>
-                </a:solidFill>
-              </a:rPr>
-              <a:t>월 </a:t>
-            </a:r>
-            <a:r>
-              <a:rPr lang="en-US" altLang="ko-KR" dirty="0">
-                <a:solidFill>
-                  <a:srgbClr val="FF0000"/>
-                </a:solidFill>
-              </a:rPr>
-              <a:t>5</a:t>
-            </a:r>
-            <a:r>
-              <a:rPr lang="ko-KR" altLang="en-US" dirty="0">
-                <a:solidFill>
-                  <a:srgbClr val="FF0000"/>
-                </a:solidFill>
-              </a:rPr>
-              <a:t>일 클릭</a:t>
-            </a:r>
-            <a:endParaRPr lang="en-US" altLang="ko-KR" dirty="0">
-              <a:solidFill>
-                <a:srgbClr val="FF0000"/>
-              </a:solidFill>
-            </a:endParaRPr>
-          </a:p>
-          <a:p>
+            <a:pPr>
+              <a:lnSpc>
+                <a:spcPct val="150000"/>
+              </a:lnSpc>
+            </a:pPr>
             <a:r>
               <a:rPr lang="ko-KR" altLang="en-US" dirty="0" err="1">
                 <a:solidFill>
@@ -17666,8 +17785,8 @@
         </p:nvSpPr>
         <p:spPr>
           <a:xfrm>
-            <a:off x="2666975" y="1805374"/>
-            <a:ext cx="1621246" cy="444513"/>
+            <a:off x="2322786" y="1836951"/>
+            <a:ext cx="2423102" cy="444513"/>
           </a:xfrm>
           <a:prstGeom prst="rect">
             <a:avLst/>
@@ -17696,11 +17815,15 @@
             <a:pPr algn="ctr"/>
             <a:r>
               <a:rPr lang="en-US" altLang="ko-KR" dirty="0"/>
-              <a:t>50M </a:t>
+              <a:t>1000M (200M,5</a:t>
             </a:r>
             <a:r>
               <a:rPr lang="ko-KR" altLang="en-US" dirty="0"/>
-              <a:t>달리기</a:t>
+              <a:t>바퀴</a:t>
+            </a:r>
+            <a:r>
+              <a:rPr lang="en-US" altLang="ko-KR" dirty="0"/>
+              <a:t>)</a:t>
             </a:r>
             <a:endParaRPr lang="ko-KR" altLang="en-US" sz="1400" dirty="0"/>
           </a:p>
@@ -17709,7 +17832,6 @@
       <p:sp>
         <p:nvSpPr>
           <p:cNvPr id="2" name="직사각형 1">
-            <a:hlinkClick r:id="rId5" action="ppaction://hlinksldjump"/>
             <a:extLst>
               <a:ext uri="{FF2B5EF4-FFF2-40B4-BE49-F238E27FC236}">
                 <a16:creationId xmlns:a16="http://schemas.microsoft.com/office/drawing/2014/main" id="{172786AA-FFBB-424A-BD3C-0580F3598F61}"/>
@@ -17721,8 +17843,8 @@
         </p:nvSpPr>
         <p:spPr>
           <a:xfrm>
-            <a:off x="215109" y="2585545"/>
-            <a:ext cx="4301477" cy="735724"/>
+            <a:off x="203222" y="2335668"/>
+            <a:ext cx="4301477" cy="392516"/>
           </a:xfrm>
           <a:prstGeom prst="rect">
             <a:avLst/>
@@ -17783,7 +17905,15 @@
             </a:r>
             <a:r>
               <a:rPr lang="en-US" altLang="ko-KR" dirty="0"/>
-              <a:t>: 15</a:t>
+              <a:t>: 5</a:t>
+            </a:r>
+            <a:r>
+              <a:rPr lang="ko-KR" altLang="en-US" dirty="0"/>
+              <a:t>분 </a:t>
+            </a:r>
+            <a:r>
+              <a:rPr lang="en-US" altLang="ko-KR" dirty="0"/>
+              <a:t>45</a:t>
             </a:r>
             <a:r>
               <a:rPr lang="ko-KR" altLang="en-US" dirty="0"/>
@@ -17799,10 +17929,11 @@
       </p:sp>
       <p:sp>
         <p:nvSpPr>
-          <p:cNvPr id="33" name="직사각형 32">
+          <p:cNvPr id="10" name="직사각형 9">
+            <a:hlinkClick r:id="rId5" action="ppaction://hlinksldjump"/>
             <a:extLst>
               <a:ext uri="{FF2B5EF4-FFF2-40B4-BE49-F238E27FC236}">
-                <a16:creationId xmlns:a16="http://schemas.microsoft.com/office/drawing/2014/main" id="{51A50144-0E67-4167-86FF-E2C55FBEFE85}"/>
+                <a16:creationId xmlns:a16="http://schemas.microsoft.com/office/drawing/2014/main" id="{AE8F68A6-D15A-4412-BEF9-10E2CBD09AD8}"/>
               </a:ext>
             </a:extLst>
           </p:cNvPr>
@@ -17811,8 +17942,8 @@
         </p:nvSpPr>
         <p:spPr>
           <a:xfrm>
-            <a:off x="215109" y="3424519"/>
-            <a:ext cx="4301477" cy="735724"/>
+            <a:off x="271025" y="6150119"/>
+            <a:ext cx="1105680" cy="525517"/>
           </a:xfrm>
           <a:prstGeom prst="rect">
             <a:avLst/>
@@ -17840,59 +17971,18 @@
           <a:p>
             <a:pPr algn="ctr"/>
             <a:r>
-              <a:rPr lang="en-US" altLang="ko-KR" dirty="0"/>
-              <a:t>2017</a:t>
-            </a:r>
-            <a:r>
               <a:rPr lang="ko-KR" altLang="en-US" dirty="0"/>
-              <a:t>년 </a:t>
-            </a:r>
-            <a:r>
-              <a:rPr lang="en-US" altLang="ko-KR" dirty="0"/>
-              <a:t>07</a:t>
-            </a:r>
-            <a:r>
-              <a:rPr lang="ko-KR" altLang="en-US" dirty="0"/>
-              <a:t>월 </a:t>
-            </a:r>
-            <a:r>
-              <a:rPr lang="en-US" altLang="ko-KR" dirty="0"/>
-              <a:t>06</a:t>
-            </a:r>
-            <a:r>
-              <a:rPr lang="ko-KR" altLang="en-US" dirty="0"/>
-              <a:t>일 </a:t>
-            </a:r>
-            <a:r>
-              <a:rPr lang="en-US" altLang="ko-KR" dirty="0"/>
-              <a:t>04</a:t>
-            </a:r>
-            <a:r>
-              <a:rPr lang="ko-KR" altLang="en-US" dirty="0"/>
-              <a:t>시  </a:t>
-            </a:r>
-            <a:r>
-              <a:rPr lang="en-US" altLang="ko-KR" dirty="0"/>
-              <a:t>: 13</a:t>
-            </a:r>
-            <a:r>
-              <a:rPr lang="ko-KR" altLang="en-US" dirty="0"/>
-              <a:t>초 </a:t>
-            </a:r>
-            <a:r>
-              <a:rPr lang="en-US" altLang="ko-KR" dirty="0"/>
-              <a:t>52</a:t>
-            </a:r>
-            <a:endParaRPr lang="ko-KR" altLang="en-US" dirty="0"/>
+              <a:t>구간</a:t>
+            </a:r>
           </a:p>
         </p:txBody>
       </p:sp>
       <p:sp>
         <p:nvSpPr>
-          <p:cNvPr id="34" name="직사각형 33">
+          <p:cNvPr id="33" name="직사각형 32">
             <a:extLst>
               <a:ext uri="{FF2B5EF4-FFF2-40B4-BE49-F238E27FC236}">
-                <a16:creationId xmlns:a16="http://schemas.microsoft.com/office/drawing/2014/main" id="{39D05E83-8806-45C5-9BAE-3288F234A208}"/>
+                <a16:creationId xmlns:a16="http://schemas.microsoft.com/office/drawing/2014/main" id="{9519AA17-1AED-4AD3-A657-4C42D0D82960}"/>
               </a:ext>
             </a:extLst>
           </p:cNvPr>
@@ -17901,8 +17991,164 @@
         </p:nvSpPr>
         <p:spPr>
           <a:xfrm>
-            <a:off x="215109" y="5119781"/>
-            <a:ext cx="4301477" cy="735724"/>
+            <a:off x="-62092" y="1120746"/>
+            <a:ext cx="4982454" cy="707886"/>
+          </a:xfrm>
+          <a:prstGeom prst="rect">
+            <a:avLst/>
+          </a:prstGeom>
+          <a:noFill/>
+        </p:spPr>
+        <p:txBody>
+          <a:bodyPr wrap="none" lIns="91440" tIns="45720" rIns="91440" bIns="45720">
+            <a:spAutoFit/>
+          </a:bodyPr>
+          <a:lstStyle/>
+          <a:p>
+            <a:pPr algn="ctr"/>
+            <a:r>
+              <a:rPr lang="ko-KR" altLang="en-US" sz="4000" b="1" dirty="0">
+                <a:ln w="13462">
+                  <a:solidFill>
+                    <a:schemeClr val="bg1"/>
+                  </a:solidFill>
+                  <a:prstDash val="solid"/>
+                </a:ln>
+                <a:solidFill>
+                  <a:schemeClr val="tx1">
+                    <a:lumMod val="85000"/>
+                    <a:lumOff val="15000"/>
+                  </a:schemeClr>
+                </a:solidFill>
+                <a:effectLst>
+                  <a:outerShdw dist="38100" dir="2700000" algn="bl" rotWithShape="0">
+                    <a:schemeClr val="accent5"/>
+                  </a:outerShdw>
+                </a:effectLst>
+              </a:rPr>
+              <a:t>학생관리 심폐지구력</a:t>
+            </a:r>
+            <a:endParaRPr lang="en-US" altLang="ko-KR" sz="4000" b="0" cap="none" spc="0" dirty="0">
+              <a:ln w="0"/>
+              <a:solidFill>
+                <a:schemeClr val="tx1"/>
+              </a:solidFill>
+              <a:effectLst>
+                <a:outerShdw blurRad="38100" dist="19050" dir="2700000" algn="tl" rotWithShape="0">
+                  <a:schemeClr val="dk1">
+                    <a:alpha val="40000"/>
+                  </a:schemeClr>
+                </a:outerShdw>
+              </a:effectLst>
+            </a:endParaRPr>
+          </a:p>
+        </p:txBody>
+      </p:sp>
+      <p:pic>
+        <p:nvPicPr>
+          <p:cNvPr id="12" name="그림 11">
+            <a:extLst>
+              <a:ext uri="{FF2B5EF4-FFF2-40B4-BE49-F238E27FC236}">
+                <a16:creationId xmlns:a16="http://schemas.microsoft.com/office/drawing/2014/main" id="{A91CA2D1-40DE-4E66-AE5B-DE4BC1938CAC}"/>
+              </a:ext>
+            </a:extLst>
+          </p:cNvPr>
+          <p:cNvPicPr>
+            <a:picLocks noChangeAspect="1"/>
+          </p:cNvPicPr>
+          <p:nvPr/>
+        </p:nvPicPr>
+        <p:blipFill rotWithShape="1">
+          <a:blip r:embed="rId6">
+            <a:extLst>
+              <a:ext uri="{28A0092B-C50C-407E-A947-70E740481C1C}">
+                <a14:useLocalDpi xmlns:a14="http://schemas.microsoft.com/office/drawing/2010/main" val="0"/>
+              </a:ext>
+              <a:ext uri="{837473B0-CC2E-450A-ABE3-18F120FF3D39}">
+                <a1611:picAttrSrcUrl xmlns:a1611="http://schemas.microsoft.com/office/drawing/2016/11/main" r:id="rId7"/>
+              </a:ext>
+            </a:extLst>
+          </a:blip>
+          <a:srcRect b="5994"/>
+          <a:stretch/>
+        </p:blipFill>
+        <p:spPr>
+          <a:xfrm>
+            <a:off x="271023" y="3045042"/>
+            <a:ext cx="4236673" cy="2432480"/>
+          </a:xfrm>
+          <a:prstGeom prst="rect">
+            <a:avLst/>
+          </a:prstGeom>
+        </p:spPr>
+      </p:pic>
+      <p:sp>
+        <p:nvSpPr>
+          <p:cNvPr id="34" name="직사각형 33">
+            <a:hlinkClick r:id="rId8" action="ppaction://hlinksldjump"/>
+            <a:extLst>
+              <a:ext uri="{FF2B5EF4-FFF2-40B4-BE49-F238E27FC236}">
+                <a16:creationId xmlns:a16="http://schemas.microsoft.com/office/drawing/2014/main" id="{67D6D2D6-336E-41FE-A1C9-59542B0DD5BB}"/>
+              </a:ext>
+            </a:extLst>
+          </p:cNvPr>
+          <p:cNvSpPr/>
+          <p:nvPr/>
+        </p:nvSpPr>
+        <p:spPr>
+          <a:xfrm>
+            <a:off x="3225331" y="6150116"/>
+            <a:ext cx="1143661" cy="525517"/>
+          </a:xfrm>
+          <a:prstGeom prst="rect">
+            <a:avLst/>
+          </a:prstGeom>
+        </p:spPr>
+        <p:style>
+          <a:lnRef idx="2">
+            <a:schemeClr val="accent2">
+              <a:shade val="50000"/>
+            </a:schemeClr>
+          </a:lnRef>
+          <a:fillRef idx="1">
+            <a:schemeClr val="accent2"/>
+          </a:fillRef>
+          <a:effectRef idx="0">
+            <a:schemeClr val="accent2"/>
+          </a:effectRef>
+          <a:fontRef idx="minor">
+            <a:schemeClr val="lt1"/>
+          </a:fontRef>
+        </p:style>
+        <p:txBody>
+          <a:bodyPr rtlCol="0" anchor="ctr"/>
+          <a:lstStyle/>
+          <a:p>
+            <a:pPr algn="ctr"/>
+            <a:r>
+              <a:rPr lang="ko-KR" altLang="en-US" dirty="0"/>
+              <a:t>정규분포</a:t>
+            </a:r>
+          </a:p>
+        </p:txBody>
+      </p:sp>
+      <p:sp>
+        <p:nvSpPr>
+          <p:cNvPr id="35" name="직사각형 34">
+            <a:hlinkClick r:id="rId9" action="ppaction://hlinksldjump"/>
+            <a:extLst>
+              <a:ext uri="{FF2B5EF4-FFF2-40B4-BE49-F238E27FC236}">
+                <a16:creationId xmlns:a16="http://schemas.microsoft.com/office/drawing/2014/main" id="{3117BA3D-5818-45D1-BCE4-737C758EF446}"/>
+              </a:ext>
+            </a:extLst>
+          </p:cNvPr>
+          <p:cNvSpPr/>
+          <p:nvPr/>
+        </p:nvSpPr>
+        <p:spPr>
+          <a:xfrm>
+            <a:off x="1786302" y="6140901"/>
+            <a:ext cx="1029431" cy="525517"/>
           </a:xfrm>
           <a:prstGeom prst="rect">
             <a:avLst/>
@@ -17930,59 +18176,18 @@
           <a:p>
             <a:pPr algn="ctr"/>
             <a:r>
-              <a:rPr lang="en-US" altLang="ko-KR" dirty="0"/>
-              <a:t>2017</a:t>
-            </a:r>
-            <a:r>
               <a:rPr lang="ko-KR" altLang="en-US" dirty="0"/>
-              <a:t>년 </a:t>
-            </a:r>
-            <a:r>
-              <a:rPr lang="en-US" altLang="ko-KR" dirty="0"/>
-              <a:t>07</a:t>
-            </a:r>
-            <a:r>
-              <a:rPr lang="ko-KR" altLang="en-US" dirty="0"/>
-              <a:t>월 </a:t>
-            </a:r>
-            <a:r>
-              <a:rPr lang="en-US" altLang="ko-KR" dirty="0"/>
-              <a:t>08</a:t>
-            </a:r>
-            <a:r>
-              <a:rPr lang="ko-KR" altLang="en-US" dirty="0"/>
-              <a:t>일 </a:t>
-            </a:r>
-            <a:r>
-              <a:rPr lang="en-US" altLang="ko-KR" dirty="0"/>
-              <a:t>02</a:t>
-            </a:r>
-            <a:r>
-              <a:rPr lang="ko-KR" altLang="en-US" dirty="0"/>
-              <a:t>시  </a:t>
-            </a:r>
-            <a:r>
-              <a:rPr lang="en-US" altLang="ko-KR" dirty="0"/>
-              <a:t>: 14</a:t>
-            </a:r>
-            <a:r>
-              <a:rPr lang="ko-KR" altLang="en-US" dirty="0"/>
-              <a:t>초 </a:t>
-            </a:r>
-            <a:r>
-              <a:rPr lang="en-US" altLang="ko-KR" dirty="0"/>
-              <a:t>03</a:t>
-            </a:r>
-            <a:endParaRPr lang="ko-KR" altLang="en-US" dirty="0"/>
+              <a:t>누적</a:t>
+            </a:r>
           </a:p>
         </p:txBody>
       </p:sp>
       <p:sp>
         <p:nvSpPr>
-          <p:cNvPr id="35" name="직사각형 34">
+          <p:cNvPr id="13" name="별: 꼭짓점 5개 12">
             <a:extLst>
               <a:ext uri="{FF2B5EF4-FFF2-40B4-BE49-F238E27FC236}">
-                <a16:creationId xmlns:a16="http://schemas.microsoft.com/office/drawing/2014/main" id="{5736E9A1-9DB8-4688-8EE6-D8737167E6EA}"/>
+                <a16:creationId xmlns:a16="http://schemas.microsoft.com/office/drawing/2014/main" id="{BAD7A945-AB71-4396-93CF-A572B495D930}"/>
               </a:ext>
             </a:extLst>
           </p:cNvPr>
@@ -17991,10 +18196,10 @@
         </p:nvSpPr>
         <p:spPr>
           <a:xfrm>
-            <a:off x="215109" y="4263493"/>
-            <a:ext cx="4301477" cy="735724"/>
+            <a:off x="3160450" y="5015883"/>
+            <a:ext cx="159799" cy="168676"/>
           </a:xfrm>
-          <a:prstGeom prst="rect">
+          <a:prstGeom prst="star5">
             <a:avLst/>
           </a:prstGeom>
         </p:spPr>
@@ -18019,60 +18224,16 @@
           <a:lstStyle/>
           <a:p>
             <a:pPr algn="ctr"/>
-            <a:r>
-              <a:rPr lang="en-US" altLang="ko-KR" dirty="0"/>
-              <a:t>2017</a:t>
-            </a:r>
-            <a:r>
-              <a:rPr lang="ko-KR" altLang="en-US" dirty="0"/>
-              <a:t>년 </a:t>
-            </a:r>
-            <a:r>
-              <a:rPr lang="en-US" altLang="ko-KR" dirty="0"/>
-              <a:t>07</a:t>
-            </a:r>
-            <a:r>
-              <a:rPr lang="ko-KR" altLang="en-US" dirty="0"/>
-              <a:t>월 </a:t>
-            </a:r>
-            <a:r>
-              <a:rPr lang="en-US" altLang="ko-KR" dirty="0"/>
-              <a:t>07</a:t>
-            </a:r>
-            <a:r>
-              <a:rPr lang="ko-KR" altLang="en-US" dirty="0"/>
-              <a:t>일 </a:t>
-            </a:r>
-            <a:r>
-              <a:rPr lang="en-US" altLang="ko-KR" dirty="0"/>
-              <a:t>15</a:t>
-            </a:r>
-            <a:r>
-              <a:rPr lang="ko-KR" altLang="en-US" dirty="0"/>
-              <a:t>시  </a:t>
-            </a:r>
-            <a:r>
-              <a:rPr lang="en-US" altLang="ko-KR" dirty="0"/>
-              <a:t>: 15</a:t>
-            </a:r>
-            <a:r>
-              <a:rPr lang="ko-KR" altLang="en-US" dirty="0"/>
-              <a:t>초 </a:t>
-            </a:r>
-            <a:r>
-              <a:rPr lang="en-US" altLang="ko-KR" dirty="0"/>
-              <a:t>43</a:t>
-            </a:r>
-            <a:endParaRPr lang="ko-KR" altLang="en-US" dirty="0"/>
+            <a:endParaRPr lang="ko-KR" altLang="en-US"/>
           </a:p>
         </p:txBody>
       </p:sp>
       <p:sp>
         <p:nvSpPr>
-          <p:cNvPr id="36" name="직사각형 35">
+          <p:cNvPr id="14" name="직사각형 13">
             <a:extLst>
               <a:ext uri="{FF2B5EF4-FFF2-40B4-BE49-F238E27FC236}">
-                <a16:creationId xmlns:a16="http://schemas.microsoft.com/office/drawing/2014/main" id="{5204EE5C-7BFA-48C8-8CFE-F357915161E5}"/>
+                <a16:creationId xmlns:a16="http://schemas.microsoft.com/office/drawing/2014/main" id="{131369C4-25E6-4CA6-96D4-41139F6D97A4}"/>
               </a:ext>
             </a:extLst>
           </p:cNvPr>
@@ -18081,58 +18242,8 @@
         </p:nvSpPr>
         <p:spPr>
           <a:xfrm>
-            <a:off x="3647090" y="5953593"/>
-            <a:ext cx="869496" cy="735724"/>
-          </a:xfrm>
-          <a:prstGeom prst="rect">
-            <a:avLst/>
-          </a:prstGeom>
-        </p:spPr>
-        <p:style>
-          <a:lnRef idx="2">
-            <a:schemeClr val="accent1">
-              <a:shade val="50000"/>
-            </a:schemeClr>
-          </a:lnRef>
-          <a:fillRef idx="1">
-            <a:schemeClr val="accent1"/>
-          </a:fillRef>
-          <a:effectRef idx="0">
-            <a:schemeClr val="accent1"/>
-          </a:effectRef>
-          <a:fontRef idx="minor">
-            <a:schemeClr val="lt1"/>
-          </a:fontRef>
-        </p:style>
-        <p:txBody>
-          <a:bodyPr rtlCol="0" anchor="ctr"/>
-          <a:lstStyle/>
-          <a:p>
-            <a:pPr algn="ctr"/>
-            <a:r>
-              <a:rPr lang="ko-KR" altLang="en-US"/>
-              <a:t>삭제</a:t>
-            </a:r>
-            <a:endParaRPr lang="ko-KR" altLang="en-US" dirty="0"/>
-          </a:p>
-        </p:txBody>
-      </p:sp>
-      <p:sp>
-        <p:nvSpPr>
-          <p:cNvPr id="38" name="직사각형 37">
-            <a:extLst>
-              <a:ext uri="{FF2B5EF4-FFF2-40B4-BE49-F238E27FC236}">
-                <a16:creationId xmlns:a16="http://schemas.microsoft.com/office/drawing/2014/main" id="{6CD97E48-79BD-449F-BE77-5C75E1A7AE54}"/>
-              </a:ext>
-            </a:extLst>
-          </p:cNvPr>
-          <p:cNvSpPr/>
-          <p:nvPr/>
-        </p:nvSpPr>
-        <p:spPr>
-          <a:xfrm>
-            <a:off x="450869" y="1120746"/>
-            <a:ext cx="3956532" cy="707886"/>
+            <a:off x="746745" y="5454477"/>
+            <a:ext cx="3108543" cy="369332"/>
           </a:xfrm>
           <a:prstGeom prst="rect">
             <a:avLst/>
@@ -18147,47 +18258,76 @@
           <a:p>
             <a:pPr algn="ctr"/>
             <a:r>
-              <a:rPr lang="ko-KR" altLang="en-US" sz="4000" b="1" dirty="0">
-                <a:ln w="13462">
-                  <a:solidFill>
-                    <a:schemeClr val="bg1"/>
-                  </a:solidFill>
-                  <a:prstDash val="solid"/>
-                </a:ln>
-                <a:solidFill>
-                  <a:schemeClr val="tx1">
-                    <a:lumMod val="85000"/>
-                    <a:lumOff val="15000"/>
-                  </a:schemeClr>
+              <a:rPr lang="ko-KR" altLang="en-US" b="0" cap="none" spc="0" dirty="0">
+                <a:ln w="0"/>
+                <a:solidFill>
+                  <a:schemeClr val="accent1"/>
                 </a:solidFill>
                 <a:effectLst>
-                  <a:outerShdw dist="38100" dir="2700000" algn="bl" rotWithShape="0">
-                    <a:schemeClr val="accent5"/>
+                  <a:outerShdw blurRad="38100" dist="25400" dir="5400000" algn="ctr" rotWithShape="0">
+                    <a:srgbClr val="6E747A">
+                      <a:alpha val="43000"/>
+                    </a:srgbClr>
                   </a:outerShdw>
                 </a:effectLst>
               </a:rPr>
-              <a:t>학생관리 순발력</a:t>
-            </a:r>
-            <a:endParaRPr lang="en-US" altLang="ko-KR" sz="4000" b="0" cap="none" spc="0" dirty="0">
-              <a:ln w="0"/>
-              <a:solidFill>
-                <a:schemeClr val="tx1"/>
-              </a:solidFill>
-              <a:effectLst>
-                <a:outerShdw blurRad="38100" dist="19050" dir="2700000" algn="tl" rotWithShape="0">
-                  <a:schemeClr val="dk1">
-                    <a:alpha val="40000"/>
-                  </a:schemeClr>
-                </a:outerShdw>
-              </a:effectLst>
-            </a:endParaRPr>
+              <a:t>나의 기록은 상위 </a:t>
+            </a:r>
+            <a:r>
+              <a:rPr lang="en-US" altLang="ko-KR" b="0" cap="none" spc="0" dirty="0">
+                <a:ln w="0"/>
+                <a:solidFill>
+                  <a:schemeClr val="accent1"/>
+                </a:solidFill>
+                <a:effectLst>
+                  <a:outerShdw blurRad="38100" dist="25400" dir="5400000" algn="ctr" rotWithShape="0">
+                    <a:srgbClr val="6E747A">
+                      <a:alpha val="43000"/>
+                    </a:srgbClr>
+                  </a:outerShdw>
+                </a:effectLst>
+              </a:rPr>
+              <a:t>4%</a:t>
+            </a:r>
+            <a:r>
+              <a:rPr lang="ko-KR" altLang="en-US" b="0" cap="none" spc="0" dirty="0">
+                <a:ln w="0"/>
+                <a:solidFill>
+                  <a:schemeClr val="accent1"/>
+                </a:solidFill>
+                <a:effectLst>
+                  <a:outerShdw blurRad="38100" dist="25400" dir="5400000" algn="ctr" rotWithShape="0">
+                    <a:srgbClr val="6E747A">
+                      <a:alpha val="43000"/>
+                    </a:srgbClr>
+                  </a:outerShdw>
+                </a:effectLst>
+              </a:rPr>
+              <a:t>입니다</a:t>
+            </a:r>
+            <a:r>
+              <a:rPr lang="en-US" altLang="ko-KR" b="0" cap="none" spc="0" dirty="0">
+                <a:ln w="0"/>
+                <a:solidFill>
+                  <a:schemeClr val="accent1"/>
+                </a:solidFill>
+                <a:effectLst>
+                  <a:outerShdw blurRad="38100" dist="25400" dir="5400000" algn="ctr" rotWithShape="0">
+                    <a:srgbClr val="6E747A">
+                      <a:alpha val="43000"/>
+                    </a:srgbClr>
+                  </a:outerShdw>
+                </a:effectLst>
+              </a:rPr>
+              <a:t>.</a:t>
+            </a:r>
           </a:p>
         </p:txBody>
       </p:sp>
     </p:spTree>
     <p:extLst>
       <p:ext uri="{BB962C8B-B14F-4D97-AF65-F5344CB8AC3E}">
-        <p14:creationId xmlns:p14="http://schemas.microsoft.com/office/powerpoint/2010/main" val="3280919976"/>
+        <p14:creationId xmlns:p14="http://schemas.microsoft.com/office/powerpoint/2010/main" val="1332838462"/>
       </p:ext>
     </p:extLst>
   </p:cSld>
@@ -18388,7 +18528,7 @@
         <p:spPr>
           <a:xfrm>
             <a:off x="5029200" y="386080"/>
-            <a:ext cx="6725920" cy="923330"/>
+            <a:ext cx="6725920" cy="1754326"/>
           </a:xfrm>
           <a:prstGeom prst="rect">
             <a:avLst/>
@@ -18407,18 +18547,8 @@
                   <a:srgbClr val="0070C0"/>
                 </a:solidFill>
               </a:rPr>
-              <a:t>나의 기록과 평균 기록을 비교할 수 있으면 좋겠음</a:t>
-            </a:r>
-            <a:r>
-              <a:rPr lang="en-US" altLang="ko-KR" dirty="0">
-                <a:solidFill>
-                  <a:srgbClr val="0070C0"/>
-                </a:solidFill>
-              </a:rPr>
-              <a:t>.</a:t>
-            </a:r>
-          </a:p>
-          <a:p>
+              <a:t>순발력 페이지</a:t>
+            </a:r>
             <a:endParaRPr lang="en-US" altLang="ko-KR" dirty="0">
               <a:solidFill>
                 <a:srgbClr val="0070C0"/>
@@ -18427,1064 +18557,13 @@
           </a:p>
           <a:p>
             <a:r>
-              <a:rPr lang="ko-KR" altLang="en-US" dirty="0" err="1">
-                <a:solidFill>
-                  <a:srgbClr val="FF0000"/>
+              <a:rPr lang="ko-KR" altLang="en-US" dirty="0">
+                <a:solidFill>
+                  <a:srgbClr val="0070C0"/>
                 </a:solidFill>
               </a:rPr>
-              <a:t>홈버튼</a:t>
-            </a:r>
-            <a:r>
-              <a:rPr lang="ko-KR" altLang="en-US" dirty="0">
-                <a:solidFill>
-                  <a:srgbClr val="FF0000"/>
-                </a:solidFill>
-              </a:rPr>
-              <a:t> 클릭</a:t>
-            </a:r>
-          </a:p>
-        </p:txBody>
-      </p:sp>
-      <p:grpSp>
-        <p:nvGrpSpPr>
-          <p:cNvPr id="20" name="그룹 19"/>
-          <p:cNvGrpSpPr/>
-          <p:nvPr/>
-        </p:nvGrpSpPr>
-        <p:grpSpPr>
-          <a:xfrm>
-            <a:off x="215109" y="170077"/>
-            <a:ext cx="1799555" cy="973193"/>
-            <a:chOff x="215109" y="-22544"/>
-            <a:chExt cx="3836270" cy="2069303"/>
-          </a:xfrm>
-        </p:grpSpPr>
-        <p:grpSp>
-          <p:nvGrpSpPr>
-            <p:cNvPr id="21" name="그룹 20"/>
-            <p:cNvGrpSpPr/>
-            <p:nvPr/>
-          </p:nvGrpSpPr>
-          <p:grpSpPr>
-            <a:xfrm>
-              <a:off x="1532247" y="-22544"/>
-              <a:ext cx="2519132" cy="2069303"/>
-              <a:chOff x="567466" y="-76730"/>
-              <a:chExt cx="2519132" cy="2069303"/>
-            </a:xfrm>
-          </p:grpSpPr>
-          <p:grpSp>
-            <p:nvGrpSpPr>
-              <p:cNvPr id="29" name="그룹 28"/>
-              <p:cNvGrpSpPr/>
-              <p:nvPr/>
-            </p:nvGrpSpPr>
-            <p:grpSpPr>
-              <a:xfrm>
-                <a:off x="567466" y="880049"/>
-                <a:ext cx="2519132" cy="1112524"/>
-                <a:chOff x="1277679" y="1013745"/>
-                <a:chExt cx="2519132" cy="1112524"/>
-              </a:xfrm>
-            </p:grpSpPr>
-            <p:sp>
-              <p:nvSpPr>
-                <p:cNvPr id="31" name="직사각형 30"/>
-                <p:cNvSpPr/>
-                <p:nvPr/>
-              </p:nvSpPr>
-              <p:spPr>
-                <a:xfrm>
-                  <a:off x="1277679" y="1255567"/>
-                  <a:ext cx="1159136" cy="654427"/>
-                </a:xfrm>
-                <a:prstGeom prst="rect">
-                  <a:avLst/>
-                </a:prstGeom>
-                <a:noFill/>
-              </p:spPr>
-              <p:txBody>
-                <a:bodyPr wrap="none" lIns="91440" tIns="45720" rIns="91440" bIns="45720">
-                  <a:spAutoFit/>
-                </a:bodyPr>
-                <a:lstStyle/>
-                <a:p>
-                  <a:pPr algn="ctr"/>
-                  <a:r>
-                    <a:rPr lang="ko-KR" altLang="en-US" sz="1400" dirty="0">
-                      <a:ln w="0"/>
-                      <a:effectLst>
-                        <a:outerShdw blurRad="38100" dist="19050" dir="2700000" algn="tl" rotWithShape="0">
-                          <a:schemeClr val="dk1">
-                            <a:alpha val="40000"/>
-                          </a:schemeClr>
-                        </a:outerShdw>
-                      </a:effectLst>
-                    </a:rPr>
-                    <a:t>체력</a:t>
-                  </a:r>
-                  <a:endParaRPr lang="en-US" altLang="ko-KR" sz="1400" dirty="0">
-                    <a:ln w="0"/>
-                    <a:effectLst>
-                      <a:outerShdw blurRad="38100" dist="19050" dir="2700000" algn="tl" rotWithShape="0">
-                        <a:schemeClr val="dk1">
-                          <a:alpha val="40000"/>
-                        </a:schemeClr>
-                      </a:outerShdw>
-                    </a:effectLst>
-                  </a:endParaRPr>
-                </a:p>
-              </p:txBody>
-            </p:sp>
-            <p:sp>
-              <p:nvSpPr>
-                <p:cNvPr id="32" name="직사각형 31"/>
-                <p:cNvSpPr/>
-                <p:nvPr/>
-              </p:nvSpPr>
-              <p:spPr>
-                <a:xfrm>
-                  <a:off x="2325461" y="1013745"/>
-                  <a:ext cx="1471350" cy="1112524"/>
-                </a:xfrm>
-                <a:prstGeom prst="rect">
-                  <a:avLst/>
-                </a:prstGeom>
-                <a:noFill/>
-              </p:spPr>
-              <p:txBody>
-                <a:bodyPr wrap="square" lIns="91440" tIns="45720" rIns="91440" bIns="45720">
-                  <a:spAutoFit/>
-                </a:bodyPr>
-                <a:lstStyle/>
-                <a:p>
-                  <a:pPr algn="ctr"/>
-                  <a:r>
-                    <a:rPr lang="en-US" altLang="ko-KR" sz="2800" b="1" dirty="0">
-                      <a:ln w="12700" cmpd="sng">
-                        <a:solidFill>
-                          <a:schemeClr val="accent4"/>
-                        </a:solidFill>
-                        <a:prstDash val="solid"/>
-                      </a:ln>
-                      <a:gradFill>
-                        <a:gsLst>
-                          <a:gs pos="0">
-                            <a:schemeClr val="accent4"/>
-                          </a:gs>
-                          <a:gs pos="4000">
-                            <a:schemeClr val="accent4">
-                              <a:lumMod val="60000"/>
-                              <a:lumOff val="40000"/>
-                            </a:schemeClr>
-                          </a:gs>
-                          <a:gs pos="87000">
-                            <a:schemeClr val="accent4">
-                              <a:lumMod val="20000"/>
-                              <a:lumOff val="80000"/>
-                            </a:schemeClr>
-                          </a:gs>
-                        </a:gsLst>
-                        <a:lin ang="5400000"/>
-                      </a:gradFill>
-                    </a:rPr>
-                    <a:t>Up</a:t>
-                  </a:r>
-                  <a:endParaRPr lang="en-US" altLang="ko-KR" sz="2800" b="1" cap="none" spc="0" dirty="0">
-                    <a:ln w="12700" cmpd="sng">
-                      <a:solidFill>
-                        <a:schemeClr val="accent4"/>
-                      </a:solidFill>
-                      <a:prstDash val="solid"/>
-                    </a:ln>
-                    <a:gradFill>
-                      <a:gsLst>
-                        <a:gs pos="0">
-                          <a:schemeClr val="accent4"/>
-                        </a:gs>
-                        <a:gs pos="4000">
-                          <a:schemeClr val="accent4">
-                            <a:lumMod val="60000"/>
-                            <a:lumOff val="40000"/>
-                          </a:schemeClr>
-                        </a:gs>
-                        <a:gs pos="87000">
-                          <a:schemeClr val="accent4">
-                            <a:lumMod val="20000"/>
-                            <a:lumOff val="80000"/>
-                          </a:schemeClr>
-                        </a:gs>
-                      </a:gsLst>
-                      <a:lin ang="5400000"/>
-                    </a:gradFill>
-                    <a:effectLst/>
-                  </a:endParaRPr>
-                </a:p>
-              </p:txBody>
-            </p:sp>
-          </p:grpSp>
-          <p:pic>
-            <p:nvPicPr>
-              <p:cNvPr id="30" name="그림 29"/>
-              <p:cNvPicPr>
-                <a:picLocks noChangeAspect="1"/>
-              </p:cNvPicPr>
-              <p:nvPr/>
-            </p:nvPicPr>
-            <p:blipFill>
-              <a:blip r:embed="rId4">
-                <a:extLst>
-                  <a:ext uri="{28A0092B-C50C-407E-A947-70E740481C1C}">
-                    <a14:useLocalDpi xmlns:a14="http://schemas.microsoft.com/office/drawing/2010/main" val="0"/>
-                  </a:ext>
-                </a:extLst>
-              </a:blip>
-              <a:stretch>
-                <a:fillRect/>
-              </a:stretch>
-            </p:blipFill>
-            <p:spPr>
-              <a:xfrm>
-                <a:off x="910977" y="-76730"/>
-                <a:ext cx="1085891" cy="1223538"/>
-              </a:xfrm>
-              <a:prstGeom prst="rect">
-                <a:avLst/>
-              </a:prstGeom>
-            </p:spPr>
-          </p:pic>
-        </p:grpSp>
-        <p:sp>
-          <p:nvSpPr>
-            <p:cNvPr id="25" name="TextBox 24"/>
-            <p:cNvSpPr txBox="1"/>
-            <p:nvPr/>
-          </p:nvSpPr>
-          <p:spPr>
-            <a:xfrm>
-              <a:off x="215109" y="856425"/>
-              <a:ext cx="1695622" cy="654427"/>
-            </a:xfrm>
-            <a:prstGeom prst="rect">
-              <a:avLst/>
-            </a:prstGeom>
-            <a:noFill/>
-          </p:spPr>
-          <p:txBody>
-            <a:bodyPr wrap="square" rtlCol="0">
-              <a:spAutoFit/>
-            </a:bodyPr>
-            <a:lstStyle/>
-            <a:p>
-              <a:r>
-                <a:rPr lang="en-US" altLang="ko-KR" sz="1400" i="1" dirty="0">
-                  <a:effectLst>
-                    <a:outerShdw blurRad="38100" dist="38100" dir="2700000" algn="tl">
-                      <a:srgbClr val="000000">
-                        <a:alpha val="43137"/>
-                      </a:srgbClr>
-                    </a:outerShdw>
-                  </a:effectLst>
-                </a:rPr>
-                <a:t>Hi-Pass</a:t>
-              </a:r>
-              <a:endParaRPr lang="ko-KR" altLang="en-US" sz="1400" i="1" dirty="0">
-                <a:effectLst>
-                  <a:outerShdw blurRad="38100" dist="38100" dir="2700000" algn="tl">
-                    <a:srgbClr val="000000">
-                      <a:alpha val="43137"/>
-                    </a:srgbClr>
-                  </a:outerShdw>
-                </a:effectLst>
-              </a:endParaRPr>
-            </a:p>
-          </p:txBody>
-        </p:sp>
-        <p:cxnSp>
-          <p:nvCxnSpPr>
-            <p:cNvPr id="26" name="직선 연결선 25"/>
-            <p:cNvCxnSpPr/>
-            <p:nvPr/>
-          </p:nvCxnSpPr>
-          <p:spPr>
-            <a:xfrm>
-              <a:off x="283776" y="437625"/>
-              <a:ext cx="1097763" cy="0"/>
-            </a:xfrm>
-            <a:prstGeom prst="line">
-              <a:avLst/>
-            </a:prstGeom>
-            <a:ln w="25400"/>
-          </p:spPr>
-          <p:style>
-            <a:lnRef idx="1">
-              <a:schemeClr val="accent1"/>
-            </a:lnRef>
-            <a:fillRef idx="0">
-              <a:schemeClr val="accent1"/>
-            </a:fillRef>
-            <a:effectRef idx="0">
-              <a:schemeClr val="accent1"/>
-            </a:effectRef>
-            <a:fontRef idx="minor">
-              <a:schemeClr val="tx1"/>
-            </a:fontRef>
-          </p:style>
-        </p:cxnSp>
-        <p:cxnSp>
-          <p:nvCxnSpPr>
-            <p:cNvPr id="27" name="직선 연결선 26"/>
-            <p:cNvCxnSpPr/>
-            <p:nvPr/>
-          </p:nvCxnSpPr>
-          <p:spPr>
-            <a:xfrm>
-              <a:off x="488724" y="632063"/>
-              <a:ext cx="1097763" cy="0"/>
-            </a:xfrm>
-            <a:prstGeom prst="line">
-              <a:avLst/>
-            </a:prstGeom>
-            <a:ln w="25400"/>
-          </p:spPr>
-          <p:style>
-            <a:lnRef idx="1">
-              <a:schemeClr val="accent1"/>
-            </a:lnRef>
-            <a:fillRef idx="0">
-              <a:schemeClr val="accent1"/>
-            </a:fillRef>
-            <a:effectRef idx="0">
-              <a:schemeClr val="accent1"/>
-            </a:effectRef>
-            <a:fontRef idx="minor">
-              <a:schemeClr val="tx1"/>
-            </a:fontRef>
-          </p:style>
-        </p:cxnSp>
-        <p:cxnSp>
-          <p:nvCxnSpPr>
-            <p:cNvPr id="28" name="직선 연결선 27"/>
-            <p:cNvCxnSpPr/>
-            <p:nvPr/>
-          </p:nvCxnSpPr>
-          <p:spPr>
-            <a:xfrm>
-              <a:off x="651641" y="826507"/>
-              <a:ext cx="1097763" cy="0"/>
-            </a:xfrm>
-            <a:prstGeom prst="line">
-              <a:avLst/>
-            </a:prstGeom>
-            <a:ln w="25400"/>
-          </p:spPr>
-          <p:style>
-            <a:lnRef idx="1">
-              <a:schemeClr val="accent1"/>
-            </a:lnRef>
-            <a:fillRef idx="0">
-              <a:schemeClr val="accent1"/>
-            </a:fillRef>
-            <a:effectRef idx="0">
-              <a:schemeClr val="accent1"/>
-            </a:effectRef>
-            <a:fontRef idx="minor">
-              <a:schemeClr val="tx1"/>
-            </a:fontRef>
-          </p:style>
-        </p:cxnSp>
-      </p:grpSp>
-      <p:sp>
-        <p:nvSpPr>
-          <p:cNvPr id="2" name="직사각형 1">
-            <a:extLst>
-              <a:ext uri="{FF2B5EF4-FFF2-40B4-BE49-F238E27FC236}">
-                <a16:creationId xmlns:a16="http://schemas.microsoft.com/office/drawing/2014/main" id="{172786AA-FFBB-424A-BD3C-0580F3598F61}"/>
-              </a:ext>
-            </a:extLst>
-          </p:cNvPr>
-          <p:cNvSpPr/>
-          <p:nvPr/>
-        </p:nvSpPr>
-        <p:spPr>
-          <a:xfrm>
-            <a:off x="203222" y="2335668"/>
-            <a:ext cx="4301477" cy="392516"/>
-          </a:xfrm>
-          <a:prstGeom prst="rect">
-            <a:avLst/>
-          </a:prstGeom>
-        </p:spPr>
-        <p:style>
-          <a:lnRef idx="2">
-            <a:schemeClr val="accent1">
-              <a:shade val="50000"/>
-            </a:schemeClr>
-          </a:lnRef>
-          <a:fillRef idx="1">
-            <a:schemeClr val="accent1"/>
-          </a:fillRef>
-          <a:effectRef idx="0">
-            <a:schemeClr val="accent1"/>
-          </a:effectRef>
-          <a:fontRef idx="minor">
-            <a:schemeClr val="lt1"/>
-          </a:fontRef>
-        </p:style>
-        <p:txBody>
-          <a:bodyPr rtlCol="0" anchor="ctr"/>
-          <a:lstStyle/>
-          <a:p>
-            <a:pPr algn="ctr"/>
-            <a:r>
-              <a:rPr lang="en-US" altLang="ko-KR" dirty="0"/>
-              <a:t>2017</a:t>
-            </a:r>
-            <a:r>
-              <a:rPr lang="ko-KR" altLang="en-US" dirty="0"/>
-              <a:t>년 </a:t>
-            </a:r>
-            <a:r>
-              <a:rPr lang="en-US" altLang="ko-KR" dirty="0"/>
-              <a:t>07</a:t>
-            </a:r>
-            <a:r>
-              <a:rPr lang="ko-KR" altLang="en-US" dirty="0"/>
-              <a:t>월 </a:t>
-            </a:r>
-            <a:r>
-              <a:rPr lang="en-US" altLang="ko-KR" dirty="0"/>
-              <a:t>05</a:t>
-            </a:r>
-            <a:r>
-              <a:rPr lang="ko-KR" altLang="en-US" dirty="0"/>
-              <a:t>일 </a:t>
-            </a:r>
-            <a:r>
-              <a:rPr lang="en-US" altLang="ko-KR" dirty="0"/>
-              <a:t>02</a:t>
-            </a:r>
-            <a:r>
-              <a:rPr lang="ko-KR" altLang="en-US" dirty="0"/>
-              <a:t>시  </a:t>
-            </a:r>
-            <a:r>
-              <a:rPr lang="en-US" altLang="ko-KR" dirty="0"/>
-              <a:t>: 15</a:t>
-            </a:r>
-            <a:r>
-              <a:rPr lang="ko-KR" altLang="en-US" dirty="0"/>
-              <a:t>초 </a:t>
-            </a:r>
-            <a:r>
-              <a:rPr lang="en-US" altLang="ko-KR" dirty="0"/>
-              <a:t>03</a:t>
-            </a:r>
-            <a:endParaRPr lang="ko-KR" altLang="en-US" dirty="0"/>
-          </a:p>
-        </p:txBody>
-      </p:sp>
-      <p:sp>
-        <p:nvSpPr>
-          <p:cNvPr id="38" name="직사각형 37">
-            <a:extLst>
-              <a:ext uri="{FF2B5EF4-FFF2-40B4-BE49-F238E27FC236}">
-                <a16:creationId xmlns:a16="http://schemas.microsoft.com/office/drawing/2014/main" id="{9E8C8271-408A-4E9C-8B9D-2E8099C69ECE}"/>
-              </a:ext>
-            </a:extLst>
-          </p:cNvPr>
-          <p:cNvSpPr/>
-          <p:nvPr/>
-        </p:nvSpPr>
-        <p:spPr>
-          <a:xfrm>
-            <a:off x="450869" y="1120746"/>
-            <a:ext cx="3956532" cy="707886"/>
-          </a:xfrm>
-          <a:prstGeom prst="rect">
-            <a:avLst/>
-          </a:prstGeom>
-          <a:noFill/>
-        </p:spPr>
-        <p:txBody>
-          <a:bodyPr wrap="none" lIns="91440" tIns="45720" rIns="91440" bIns="45720">
-            <a:spAutoFit/>
-          </a:bodyPr>
-          <a:lstStyle/>
-          <a:p>
-            <a:pPr algn="ctr"/>
-            <a:r>
-              <a:rPr lang="ko-KR" altLang="en-US" sz="4000" b="1" dirty="0">
-                <a:ln w="13462">
-                  <a:solidFill>
-                    <a:schemeClr val="bg1"/>
-                  </a:solidFill>
-                  <a:prstDash val="solid"/>
-                </a:ln>
-                <a:solidFill>
-                  <a:schemeClr val="tx1">
-                    <a:lumMod val="85000"/>
-                    <a:lumOff val="15000"/>
-                  </a:schemeClr>
-                </a:solidFill>
-                <a:effectLst>
-                  <a:outerShdw dist="38100" dir="2700000" algn="bl" rotWithShape="0">
-                    <a:schemeClr val="accent5"/>
-                  </a:outerShdw>
-                </a:effectLst>
-              </a:rPr>
-              <a:t>학생관리 순발력</a:t>
-            </a:r>
-            <a:endParaRPr lang="en-US" altLang="ko-KR" sz="4000" b="0" cap="none" spc="0" dirty="0">
-              <a:ln w="0"/>
-              <a:solidFill>
-                <a:schemeClr val="tx1"/>
-              </a:solidFill>
-              <a:effectLst>
-                <a:outerShdw blurRad="38100" dist="19050" dir="2700000" algn="tl" rotWithShape="0">
-                  <a:schemeClr val="dk1">
-                    <a:alpha val="40000"/>
-                  </a:schemeClr>
-                </a:outerShdw>
-              </a:effectLst>
-            </a:endParaRPr>
-          </a:p>
-        </p:txBody>
-      </p:sp>
-      <p:sp>
-        <p:nvSpPr>
-          <p:cNvPr id="33" name="직사각형 32">
-            <a:extLst>
-              <a:ext uri="{FF2B5EF4-FFF2-40B4-BE49-F238E27FC236}">
-                <a16:creationId xmlns:a16="http://schemas.microsoft.com/office/drawing/2014/main" id="{C9C75E8D-CC0E-4D3E-A961-00608322D8B4}"/>
-              </a:ext>
-            </a:extLst>
-          </p:cNvPr>
-          <p:cNvSpPr/>
-          <p:nvPr/>
-        </p:nvSpPr>
-        <p:spPr>
-          <a:xfrm>
-            <a:off x="12482" y="1823547"/>
-            <a:ext cx="2402244" cy="408168"/>
-          </a:xfrm>
-          <a:prstGeom prst="rect">
-            <a:avLst/>
-          </a:prstGeom>
-          <a:noFill/>
-        </p:spPr>
-        <p:style>
-          <a:lnRef idx="2">
-            <a:schemeClr val="accent1">
-              <a:shade val="50000"/>
-            </a:schemeClr>
-          </a:lnRef>
-          <a:fillRef idx="1">
-            <a:schemeClr val="accent1"/>
-          </a:fillRef>
-          <a:effectRef idx="0">
-            <a:schemeClr val="accent1"/>
-          </a:effectRef>
-          <a:fontRef idx="minor">
-            <a:schemeClr val="lt1"/>
-          </a:fontRef>
-        </p:style>
-        <p:txBody>
-          <a:bodyPr rtlCol="0" anchor="ctr"/>
-          <a:lstStyle/>
-          <a:p>
-            <a:pPr algn="ctr"/>
-            <a:r>
-              <a:rPr lang="en-US" altLang="ko-KR" sz="1600" dirty="0">
-                <a:solidFill>
-                  <a:schemeClr val="tx1"/>
-                </a:solidFill>
-                <a:effectLst>
-                  <a:outerShdw blurRad="38100" dist="38100" dir="2700000" algn="tl">
-                    <a:srgbClr val="000000">
-                      <a:alpha val="43137"/>
-                    </a:srgbClr>
-                  </a:outerShdw>
-                </a:effectLst>
-              </a:rPr>
-              <a:t>1</a:t>
-            </a:r>
-            <a:r>
-              <a:rPr lang="ko-KR" altLang="en-US" sz="1600" dirty="0">
-                <a:solidFill>
-                  <a:schemeClr val="tx1"/>
-                </a:solidFill>
-                <a:effectLst>
-                  <a:outerShdw blurRad="38100" dist="38100" dir="2700000" algn="tl">
-                    <a:srgbClr val="000000">
-                      <a:alpha val="43137"/>
-                    </a:srgbClr>
-                  </a:outerShdw>
-                </a:effectLst>
-              </a:rPr>
-              <a:t>학년 </a:t>
-            </a:r>
-            <a:r>
-              <a:rPr lang="en-US" altLang="ko-KR" sz="1600" dirty="0">
-                <a:solidFill>
-                  <a:schemeClr val="tx1"/>
-                </a:solidFill>
-                <a:effectLst>
-                  <a:outerShdw blurRad="38100" dist="38100" dir="2700000" algn="tl">
-                    <a:srgbClr val="000000">
-                      <a:alpha val="43137"/>
-                    </a:srgbClr>
-                  </a:outerShdw>
-                </a:effectLst>
-              </a:rPr>
-              <a:t>1</a:t>
-            </a:r>
-            <a:r>
-              <a:rPr lang="ko-KR" altLang="en-US" sz="1600" dirty="0">
-                <a:solidFill>
-                  <a:schemeClr val="tx1"/>
-                </a:solidFill>
-                <a:effectLst>
-                  <a:outerShdw blurRad="38100" dist="38100" dir="2700000" algn="tl">
-                    <a:srgbClr val="000000">
-                      <a:alpha val="43137"/>
-                    </a:srgbClr>
-                  </a:outerShdw>
-                </a:effectLst>
-              </a:rPr>
-              <a:t>반 </a:t>
-            </a:r>
-            <a:r>
-              <a:rPr lang="ko-KR" altLang="en-US" sz="1600" dirty="0" err="1">
-                <a:solidFill>
-                  <a:schemeClr val="tx1"/>
-                </a:solidFill>
-                <a:effectLst>
-                  <a:outerShdw blurRad="38100" dist="38100" dir="2700000" algn="tl">
-                    <a:srgbClr val="000000">
-                      <a:alpha val="43137"/>
-                    </a:srgbClr>
-                  </a:outerShdw>
-                </a:effectLst>
-              </a:rPr>
-              <a:t>가가가</a:t>
-            </a:r>
-            <a:r>
-              <a:rPr lang="ko-KR" altLang="en-US" sz="1600" dirty="0">
-                <a:solidFill>
-                  <a:schemeClr val="tx1"/>
-                </a:solidFill>
-                <a:effectLst>
-                  <a:outerShdw blurRad="38100" dist="38100" dir="2700000" algn="tl">
-                    <a:srgbClr val="000000">
-                      <a:alpha val="43137"/>
-                    </a:srgbClr>
-                  </a:outerShdw>
-                </a:effectLst>
-              </a:rPr>
-              <a:t> </a:t>
-            </a:r>
-            <a:r>
-              <a:rPr lang="en-US" altLang="ko-KR" sz="1600" dirty="0">
-                <a:solidFill>
-                  <a:schemeClr val="tx1"/>
-                </a:solidFill>
-                <a:effectLst>
-                  <a:outerShdw blurRad="38100" dist="38100" dir="2700000" algn="tl">
-                    <a:srgbClr val="000000">
-                      <a:alpha val="43137"/>
-                    </a:srgbClr>
-                  </a:outerShdw>
-                </a:effectLst>
-              </a:rPr>
-              <a:t>(</a:t>
-            </a:r>
-            <a:r>
-              <a:rPr lang="ko-KR" altLang="en-US" sz="1600" dirty="0">
-                <a:solidFill>
-                  <a:schemeClr val="tx1"/>
-                </a:solidFill>
-                <a:effectLst>
-                  <a:outerShdw blurRad="38100" dist="38100" dir="2700000" algn="tl">
-                    <a:srgbClr val="000000">
-                      <a:alpha val="43137"/>
-                    </a:srgbClr>
-                  </a:outerShdw>
-                </a:effectLst>
-              </a:rPr>
-              <a:t>남자</a:t>
-            </a:r>
-            <a:r>
-              <a:rPr lang="en-US" altLang="ko-KR" sz="1600" dirty="0">
-                <a:solidFill>
-                  <a:schemeClr val="tx1"/>
-                </a:solidFill>
-                <a:effectLst>
-                  <a:outerShdw blurRad="38100" dist="38100" dir="2700000" algn="tl">
-                    <a:srgbClr val="000000">
-                      <a:alpha val="43137"/>
-                    </a:srgbClr>
-                  </a:outerShdw>
-                </a:effectLst>
-              </a:rPr>
-              <a:t>)</a:t>
-            </a:r>
-            <a:endParaRPr lang="ko-KR" altLang="en-US" sz="1600" dirty="0">
-              <a:solidFill>
-                <a:schemeClr val="tx1"/>
-              </a:solidFill>
-              <a:effectLst>
-                <a:outerShdw blurRad="38100" dist="38100" dir="2700000" algn="tl">
-                  <a:srgbClr val="000000">
-                    <a:alpha val="43137"/>
-                  </a:srgbClr>
-                </a:outerShdw>
-              </a:effectLst>
-            </a:endParaRPr>
-          </a:p>
-        </p:txBody>
-      </p:sp>
-      <p:sp>
-        <p:nvSpPr>
-          <p:cNvPr id="34" name="직사각형 33">
-            <a:extLst>
-              <a:ext uri="{FF2B5EF4-FFF2-40B4-BE49-F238E27FC236}">
-                <a16:creationId xmlns:a16="http://schemas.microsoft.com/office/drawing/2014/main" id="{486FE4F3-765A-4F00-952B-593F26C32B7D}"/>
-              </a:ext>
-            </a:extLst>
-          </p:cNvPr>
-          <p:cNvSpPr/>
-          <p:nvPr/>
-        </p:nvSpPr>
-        <p:spPr>
-          <a:xfrm>
-            <a:off x="2666975" y="1805374"/>
-            <a:ext cx="1621246" cy="444513"/>
-          </a:xfrm>
-          <a:prstGeom prst="rect">
-            <a:avLst/>
-          </a:prstGeom>
-        </p:spPr>
-        <p:style>
-          <a:lnRef idx="2">
-            <a:schemeClr val="accent1">
-              <a:shade val="50000"/>
-            </a:schemeClr>
-          </a:lnRef>
-          <a:fillRef idx="1">
-            <a:schemeClr val="accent1"/>
-          </a:fillRef>
-          <a:effectRef idx="0">
-            <a:schemeClr val="accent1"/>
-          </a:effectRef>
-          <a:fontRef idx="minor">
-            <a:schemeClr val="lt1"/>
-          </a:fontRef>
-        </p:style>
-        <p:txBody>
-          <a:bodyPr rtlCol="0" anchor="ctr"/>
-          <a:lstStyle/>
-          <a:p>
-            <a:pPr algn="ctr"/>
-            <a:r>
-              <a:rPr lang="en-US" altLang="ko-KR" dirty="0"/>
-              <a:t>50M </a:t>
-            </a:r>
-            <a:r>
-              <a:rPr lang="ko-KR" altLang="en-US" dirty="0"/>
-              <a:t>달리기</a:t>
-            </a:r>
-            <a:endParaRPr lang="ko-KR" altLang="en-US" sz="1400" dirty="0"/>
-          </a:p>
-        </p:txBody>
-      </p:sp>
-      <p:graphicFrame>
-        <p:nvGraphicFramePr>
-          <p:cNvPr id="8" name="차트 7">
-            <a:extLst>
-              <a:ext uri="{FF2B5EF4-FFF2-40B4-BE49-F238E27FC236}">
-                <a16:creationId xmlns:a16="http://schemas.microsoft.com/office/drawing/2014/main" id="{BE50B1E0-0517-4B16-9B8A-A49BAC1526C8}"/>
-              </a:ext>
-            </a:extLst>
-          </p:cNvPr>
-          <p:cNvGraphicFramePr/>
-          <p:nvPr>
-            <p:extLst>
-              <p:ext uri="{D42A27DB-BD31-4B8C-83A1-F6EECF244321}">
-                <p14:modId xmlns:p14="http://schemas.microsoft.com/office/powerpoint/2010/main" val="4156106271"/>
-              </p:ext>
-            </p:extLst>
-          </p:nvPr>
-        </p:nvGraphicFramePr>
-        <p:xfrm>
-          <a:off x="156920" y="3113718"/>
-          <a:ext cx="4347779" cy="3413206"/>
-        </p:xfrm>
-        <a:graphic>
-          <a:graphicData uri="http://schemas.openxmlformats.org/drawingml/2006/chart">
-            <c:chart xmlns:c="http://schemas.openxmlformats.org/drawingml/2006/chart" xmlns:r="http://schemas.openxmlformats.org/officeDocument/2006/relationships" r:id="rId5"/>
-          </a:graphicData>
-        </a:graphic>
-      </p:graphicFrame>
-    </p:spTree>
-    <p:extLst>
-      <p:ext uri="{BB962C8B-B14F-4D97-AF65-F5344CB8AC3E}">
-        <p14:creationId xmlns:p14="http://schemas.microsoft.com/office/powerpoint/2010/main" val="3063172077"/>
-      </p:ext>
-    </p:extLst>
-  </p:cSld>
-  <p:clrMapOvr>
-    <a:masterClrMapping/>
-  </p:clrMapOvr>
-</p:sld>
-</file>
-
-<file path=ppt/slides/slide19.xml><?xml version="1.0" encoding="utf-8"?>
-<p:sld xmlns:a="http://schemas.openxmlformats.org/drawingml/2006/main" xmlns:r="http://schemas.openxmlformats.org/officeDocument/2006/relationships" xmlns:p="http://schemas.openxmlformats.org/presentationml/2006/main">
-  <p:cSld>
-    <p:spTree>
-      <p:nvGrpSpPr>
-        <p:cNvPr id="1" name=""/>
-        <p:cNvGrpSpPr/>
-        <p:nvPr/>
-      </p:nvGrpSpPr>
-      <p:grpSpPr>
-        <a:xfrm>
-          <a:off x="0" y="0"/>
-          <a:ext cx="0" cy="0"/>
-          <a:chOff x="0" y="0"/>
-          <a:chExt cx="0" cy="0"/>
-        </a:xfrm>
-      </p:grpSpPr>
-      <p:sp>
-        <p:nvSpPr>
-          <p:cNvPr id="4" name="직사각형 3"/>
-          <p:cNvSpPr/>
-          <p:nvPr/>
-        </p:nvSpPr>
-        <p:spPr>
-          <a:xfrm>
-            <a:off x="-48284" y="0"/>
-            <a:ext cx="4829452" cy="6858000"/>
-          </a:xfrm>
-          <a:prstGeom prst="rect">
-            <a:avLst/>
-          </a:prstGeom>
-          <a:ln w="57150"/>
-        </p:spPr>
-        <p:style>
-          <a:lnRef idx="2">
-            <a:schemeClr val="dk1"/>
-          </a:lnRef>
-          <a:fillRef idx="1">
-            <a:schemeClr val="lt1"/>
-          </a:fillRef>
-          <a:effectRef idx="0">
-            <a:schemeClr val="dk1"/>
-          </a:effectRef>
-          <a:fontRef idx="minor">
-            <a:schemeClr val="dk1"/>
-          </a:fontRef>
-        </p:style>
-        <p:txBody>
-          <a:bodyPr rtlCol="0" anchor="ctr"/>
-          <a:lstStyle/>
-          <a:p>
-            <a:pPr algn="ctr"/>
-            <a:endParaRPr lang="ko-KR" altLang="en-US" dirty="0"/>
-          </a:p>
-        </p:txBody>
-      </p:sp>
-      <p:grpSp>
-        <p:nvGrpSpPr>
-          <p:cNvPr id="23" name="그룹 22"/>
-          <p:cNvGrpSpPr/>
-          <p:nvPr/>
-        </p:nvGrpSpPr>
-        <p:grpSpPr>
-          <a:xfrm>
-            <a:off x="2640395" y="472455"/>
-            <a:ext cx="1876191" cy="523211"/>
-            <a:chOff x="2640395" y="472455"/>
-            <a:chExt cx="1876191" cy="523211"/>
-          </a:xfrm>
-        </p:grpSpPr>
-        <p:sp>
-          <p:nvSpPr>
-            <p:cNvPr id="3" name="직사각형 2">
-              <a:hlinkClick r:id="rId2" action="ppaction://hlinksldjump"/>
-            </p:cNvPr>
-            <p:cNvSpPr/>
-            <p:nvPr/>
-          </p:nvSpPr>
-          <p:spPr>
-            <a:xfrm>
-              <a:off x="2640395" y="595556"/>
-              <a:ext cx="1563326" cy="400110"/>
-            </a:xfrm>
-            <a:prstGeom prst="rect">
-              <a:avLst/>
-            </a:prstGeom>
-            <a:noFill/>
-          </p:spPr>
-          <p:txBody>
-            <a:bodyPr wrap="square" lIns="91440" tIns="45720" rIns="91440" bIns="45720">
-              <a:spAutoFit/>
-            </a:bodyPr>
-            <a:lstStyle/>
-            <a:p>
-              <a:pPr algn="ctr"/>
-              <a:r>
-                <a:rPr lang="ko-KR" altLang="en-US" sz="2000" b="1" cap="none" spc="0" dirty="0">
-                  <a:ln w="22225">
-                    <a:solidFill>
-                      <a:schemeClr val="accent2"/>
-                    </a:solidFill>
-                    <a:prstDash val="solid"/>
-                  </a:ln>
-                  <a:solidFill>
-                    <a:schemeClr val="accent2">
-                      <a:lumMod val="40000"/>
-                      <a:lumOff val="60000"/>
-                    </a:schemeClr>
-                  </a:solidFill>
-                  <a:effectLst/>
-                </a:rPr>
-                <a:t>선생님 </a:t>
-              </a:r>
-              <a:r>
-                <a:rPr lang="en-US" altLang="ko-KR" sz="2000" b="1" cap="none" spc="0" dirty="0" err="1">
-                  <a:ln w="22225">
-                    <a:solidFill>
-                      <a:schemeClr val="accent2"/>
-                    </a:solidFill>
-                    <a:prstDash val="solid"/>
-                  </a:ln>
-                  <a:solidFill>
-                    <a:schemeClr val="accent2">
-                      <a:lumMod val="40000"/>
-                      <a:lumOff val="60000"/>
-                    </a:schemeClr>
-                  </a:solidFill>
-                  <a:effectLst/>
-                </a:rPr>
-                <a:t>ver</a:t>
-              </a:r>
-              <a:endParaRPr lang="en-US" altLang="ko-KR" sz="2000" b="1" cap="none" spc="0" dirty="0">
-                <a:ln w="22225">
-                  <a:solidFill>
-                    <a:schemeClr val="accent2"/>
-                  </a:solidFill>
-                  <a:prstDash val="solid"/>
-                </a:ln>
-                <a:solidFill>
-                  <a:schemeClr val="accent2">
-                    <a:lumMod val="40000"/>
-                    <a:lumOff val="60000"/>
-                  </a:schemeClr>
-                </a:solidFill>
-                <a:effectLst/>
-              </a:endParaRPr>
-            </a:p>
-          </p:txBody>
-        </p:sp>
-        <p:pic>
-          <p:nvPicPr>
-            <p:cNvPr id="18" name="그림 17">
-              <a:hlinkClick r:id="rId2" action="ppaction://hlinksldjump"/>
-            </p:cNvPr>
-            <p:cNvPicPr>
-              <a:picLocks noChangeAspect="1"/>
-            </p:cNvPicPr>
-            <p:nvPr/>
-          </p:nvPicPr>
-          <p:blipFill>
-            <a:blip r:embed="rId3">
-              <a:extLst>
-                <a:ext uri="{28A0092B-C50C-407E-A947-70E740481C1C}">
-                  <a14:useLocalDpi xmlns:a14="http://schemas.microsoft.com/office/drawing/2010/main" val="0"/>
-                </a:ext>
-              </a:extLst>
-            </a:blip>
-            <a:stretch>
-              <a:fillRect/>
-            </a:stretch>
-          </p:blipFill>
-          <p:spPr>
-            <a:xfrm>
-              <a:off x="4085851" y="472455"/>
-              <a:ext cx="430735" cy="407528"/>
-            </a:xfrm>
-            <a:prstGeom prst="rect">
-              <a:avLst/>
-            </a:prstGeom>
-          </p:spPr>
-        </p:pic>
-      </p:grpSp>
-      <p:sp>
-        <p:nvSpPr>
-          <p:cNvPr id="24" name="TextBox 23"/>
-          <p:cNvSpPr txBox="1"/>
-          <p:nvPr/>
-        </p:nvSpPr>
-        <p:spPr>
-          <a:xfrm>
-            <a:off x="5029200" y="386080"/>
-            <a:ext cx="6725920" cy="1200329"/>
-          </a:xfrm>
-          <a:prstGeom prst="rect">
-            <a:avLst/>
-          </a:prstGeom>
-          <a:noFill/>
-        </p:spPr>
-        <p:txBody>
-          <a:bodyPr wrap="square" rtlCol="0">
-            <a:spAutoFit/>
-          </a:bodyPr>
-          <a:lstStyle/>
-          <a:p>
-            <a:r>
-              <a:rPr lang="ko-KR" altLang="en-US" dirty="0" err="1">
-                <a:solidFill>
-                  <a:srgbClr val="0070C0"/>
-                </a:solidFill>
-              </a:rPr>
-              <a:t>근력근지구력</a:t>
-            </a:r>
-            <a:r>
-              <a:rPr lang="ko-KR" altLang="en-US" dirty="0">
-                <a:solidFill>
-                  <a:srgbClr val="0070C0"/>
-                </a:solidFill>
-              </a:rPr>
-              <a:t> </a:t>
-            </a:r>
-            <a:r>
-              <a:rPr lang="en-US" altLang="ko-KR" dirty="0">
-                <a:solidFill>
-                  <a:srgbClr val="0070C0"/>
-                </a:solidFill>
-              </a:rPr>
-              <a:t>– </a:t>
-            </a:r>
-            <a:r>
-              <a:rPr lang="ko-KR" altLang="en-US" dirty="0">
-                <a:solidFill>
-                  <a:srgbClr val="0070C0"/>
-                </a:solidFill>
-              </a:rPr>
-              <a:t>날짜와 횟수가 나오면 좋겠음</a:t>
-            </a:r>
-            <a:r>
-              <a:rPr lang="en-US" altLang="ko-KR" dirty="0">
-                <a:solidFill>
-                  <a:srgbClr val="0070C0"/>
-                </a:solidFill>
-              </a:rPr>
-              <a:t>.</a:t>
-            </a:r>
-          </a:p>
-          <a:p>
+              <a:t>날짜와 시간이 나오면 좋겠음</a:t>
+            </a:r>
             <a:endParaRPr lang="en-US" altLang="ko-KR" dirty="0">
               <a:solidFill>
                 <a:srgbClr val="0070C0"/>
@@ -19493,53 +18572,23 @@
           </a:p>
           <a:p>
             <a:r>
+              <a:rPr lang="ko-KR" altLang="en-US" dirty="0">
+                <a:solidFill>
+                  <a:srgbClr val="0070C0"/>
+                </a:solidFill>
+              </a:rPr>
+              <a:t>시간은 소수점까지 나오면 좋겠음</a:t>
+            </a:r>
+            <a:r>
               <a:rPr lang="en-US" altLang="ko-KR" dirty="0">
                 <a:solidFill>
-                  <a:srgbClr val="FF0000"/>
+                  <a:srgbClr val="0070C0"/>
                 </a:solidFill>
               </a:rPr>
-              <a:t>2017</a:t>
-            </a:r>
-            <a:r>
-              <a:rPr lang="ko-KR" altLang="en-US" dirty="0">
-                <a:solidFill>
-                  <a:srgbClr val="FF0000"/>
-                </a:solidFill>
-              </a:rPr>
-              <a:t>년 </a:t>
-            </a:r>
-            <a:r>
-              <a:rPr lang="en-US" altLang="ko-KR" dirty="0">
-                <a:solidFill>
-                  <a:srgbClr val="FF0000"/>
-                </a:solidFill>
-              </a:rPr>
-              <a:t>7</a:t>
-            </a:r>
-            <a:r>
-              <a:rPr lang="ko-KR" altLang="en-US" dirty="0">
-                <a:solidFill>
-                  <a:srgbClr val="FF0000"/>
-                </a:solidFill>
-              </a:rPr>
-              <a:t>월 </a:t>
-            </a:r>
-            <a:r>
-              <a:rPr lang="en-US" altLang="ko-KR" dirty="0">
-                <a:solidFill>
-                  <a:srgbClr val="FF0000"/>
-                </a:solidFill>
-              </a:rPr>
-              <a:t>5</a:t>
-            </a:r>
-            <a:r>
-              <a:rPr lang="ko-KR" altLang="en-US" dirty="0">
-                <a:solidFill>
-                  <a:srgbClr val="FF0000"/>
-                </a:solidFill>
-              </a:rPr>
-              <a:t>일 클릭</a:t>
-            </a:r>
+              <a:t>.</a:t>
+            </a:r>
+          </a:p>
+          <a:p>
             <a:endParaRPr lang="en-US" altLang="ko-KR" dirty="0">
               <a:solidFill>
                 <a:srgbClr val="FF0000"/>
@@ -19548,12 +18597,12 @@
           </a:p>
           <a:p>
             <a:r>
-              <a:rPr lang="ko-KR" altLang="en-US" dirty="0" err="1">
+              <a:rPr lang="en-US" altLang="ko-KR" dirty="0">
                 <a:solidFill>
                   <a:srgbClr val="FF0000"/>
                 </a:solidFill>
               </a:rPr>
-              <a:t>홈버튼</a:t>
+              <a:t>2017</a:t>
             </a:r>
             <a:r>
               <a:rPr lang="ko-KR" altLang="en-US" dirty="0">
@@ -19561,13 +18610,63 @@
                   <a:srgbClr val="FF0000"/>
                 </a:solidFill>
               </a:rPr>
-              <a:t> 클릭</a:t>
+              <a:t>년 </a:t>
+            </a:r>
+            <a:r>
+              <a:rPr lang="en-US" altLang="ko-KR" dirty="0">
+                <a:solidFill>
+                  <a:srgbClr val="FF0000"/>
+                </a:solidFill>
+              </a:rPr>
+              <a:t>7</a:t>
+            </a:r>
+            <a:r>
+              <a:rPr lang="ko-KR" altLang="en-US" dirty="0">
+                <a:solidFill>
+                  <a:srgbClr val="FF0000"/>
+                </a:solidFill>
+              </a:rPr>
+              <a:t>월 </a:t>
+            </a:r>
+            <a:r>
+              <a:rPr lang="en-US" altLang="ko-KR" dirty="0">
+                <a:solidFill>
+                  <a:srgbClr val="FF0000"/>
+                </a:solidFill>
+              </a:rPr>
+              <a:t>5</a:t>
+            </a:r>
+            <a:r>
+              <a:rPr lang="ko-KR" altLang="en-US" dirty="0">
+                <a:solidFill>
+                  <a:srgbClr val="FF0000"/>
+                </a:solidFill>
+              </a:rPr>
+              <a:t>일 클릭</a:t>
             </a:r>
             <a:endParaRPr lang="en-US" altLang="ko-KR" dirty="0">
               <a:solidFill>
                 <a:srgbClr val="FF0000"/>
               </a:solidFill>
             </a:endParaRPr>
+          </a:p>
+          <a:p>
+            <a:r>
+              <a:rPr lang="ko-KR" altLang="en-US" dirty="0" err="1">
+                <a:solidFill>
+                  <a:srgbClr val="FF0000"/>
+                </a:solidFill>
+              </a:rPr>
+              <a:t>홈버튼</a:t>
+            </a:r>
+            <a:r>
+              <a:rPr lang="ko-KR" altLang="en-US" dirty="0">
+                <a:solidFill>
+                  <a:srgbClr val="FF0000"/>
+                </a:solidFill>
+              </a:rPr>
+              <a:t> 클릭</a:t>
+            </a:r>
           </a:p>
         </p:txBody>
       </p:sp>
@@ -20127,8 +19226,8 @@
         </p:nvSpPr>
         <p:spPr>
           <a:xfrm>
-            <a:off x="2666974" y="1805374"/>
-            <a:ext cx="1849611" cy="444513"/>
+            <a:off x="2666975" y="1805374"/>
+            <a:ext cx="1621246" cy="444513"/>
           </a:xfrm>
           <a:prstGeom prst="rect">
             <a:avLst/>
@@ -20156,8 +19255,12 @@
           <a:p>
             <a:pPr algn="ctr"/>
             <a:r>
-              <a:rPr lang="ko-KR" altLang="en-US"/>
-              <a:t>윗몸말아올리기</a:t>
+              <a:rPr lang="en-US" altLang="ko-KR" dirty="0"/>
+              <a:t>50M </a:t>
+            </a:r>
+            <a:r>
+              <a:rPr lang="ko-KR" altLang="en-US" dirty="0"/>
+              <a:t>달리기</a:t>
             </a:r>
             <a:endParaRPr lang="ko-KR" altLang="en-US" sz="1400" dirty="0"/>
           </a:p>
@@ -20240,12 +19343,17 @@
             </a:r>
             <a:r>
               <a:rPr lang="en-US" altLang="ko-KR" dirty="0"/>
-              <a:t>: 62</a:t>
+              <a:t>: 15</a:t>
             </a:r>
             <a:r>
               <a:rPr lang="ko-KR" altLang="en-US" dirty="0"/>
-              <a:t>회</a:t>
-            </a:r>
+              <a:t>초 </a:t>
+            </a:r>
+            <a:r>
+              <a:rPr lang="en-US" altLang="ko-KR" dirty="0"/>
+              <a:t>03</a:t>
+            </a:r>
+            <a:endParaRPr lang="ko-KR" altLang="en-US" dirty="0"/>
           </a:p>
         </p:txBody>
       </p:sp>
@@ -20325,12 +19433,17 @@
             </a:r>
             <a:r>
               <a:rPr lang="en-US" altLang="ko-KR" dirty="0"/>
-              <a:t>: 49</a:t>
+              <a:t>: 13</a:t>
             </a:r>
             <a:r>
               <a:rPr lang="ko-KR" altLang="en-US" dirty="0"/>
-              <a:t>회</a:t>
-            </a:r>
+              <a:t>초 </a:t>
+            </a:r>
+            <a:r>
+              <a:rPr lang="en-US" altLang="ko-KR" dirty="0"/>
+              <a:t>52</a:t>
+            </a:r>
+            <a:endParaRPr lang="ko-KR" altLang="en-US" dirty="0"/>
           </a:p>
         </p:txBody>
       </p:sp>
@@ -20410,12 +19523,17 @@
             </a:r>
             <a:r>
               <a:rPr lang="en-US" altLang="ko-KR" dirty="0"/>
-              <a:t>: 70</a:t>
+              <a:t>: 14</a:t>
             </a:r>
             <a:r>
               <a:rPr lang="ko-KR" altLang="en-US" dirty="0"/>
-              <a:t>회</a:t>
-            </a:r>
+              <a:t>초 </a:t>
+            </a:r>
+            <a:r>
+              <a:rPr lang="en-US" altLang="ko-KR" dirty="0"/>
+              <a:t>03</a:t>
+            </a:r>
+            <a:endParaRPr lang="ko-KR" altLang="en-US" dirty="0"/>
           </a:p>
         </p:txBody>
       </p:sp>
@@ -20495,12 +19613,17 @@
             </a:r>
             <a:r>
               <a:rPr lang="en-US" altLang="ko-KR" dirty="0"/>
-              <a:t>: 56</a:t>
+              <a:t>: 15</a:t>
             </a:r>
             <a:r>
               <a:rPr lang="ko-KR" altLang="en-US" dirty="0"/>
-              <a:t>회</a:t>
-            </a:r>
+              <a:t>초 </a:t>
+            </a:r>
+            <a:r>
+              <a:rPr lang="en-US" altLang="ko-KR" dirty="0"/>
+              <a:t>43</a:t>
+            </a:r>
+            <a:endParaRPr lang="ko-KR" altLang="en-US" dirty="0"/>
           </a:p>
         </p:txBody>
       </p:sp>
@@ -20568,8 +19691,8 @@
         </p:nvSpPr>
         <p:spPr>
           <a:xfrm>
-            <a:off x="159125" y="1120746"/>
-            <a:ext cx="4540025" cy="584775"/>
+            <a:off x="450869" y="1120746"/>
+            <a:ext cx="3956532" cy="707886"/>
           </a:xfrm>
           <a:prstGeom prst="rect">
             <a:avLst/>
@@ -20584,7 +19707,7 @@
           <a:p>
             <a:pPr algn="ctr"/>
             <a:r>
-              <a:rPr lang="ko-KR" altLang="en-US" sz="3200" b="1" dirty="0">
+              <a:rPr lang="ko-KR" altLang="en-US" sz="4000" b="1" dirty="0">
                 <a:ln w="13462">
                   <a:solidFill>
                     <a:schemeClr val="bg1"/>
@@ -20603,53 +19726,9 @@
                   </a:outerShdw>
                 </a:effectLst>
               </a:rPr>
-              <a:t>학생관리 근력</a:t>
-            </a:r>
-            <a:r>
-              <a:rPr lang="en-US" altLang="ko-KR" sz="3200" b="1" dirty="0">
-                <a:ln w="13462">
-                  <a:solidFill>
-                    <a:schemeClr val="bg1"/>
-                  </a:solidFill>
-                  <a:prstDash val="solid"/>
-                </a:ln>
-                <a:solidFill>
-                  <a:schemeClr val="tx1">
-                    <a:lumMod val="85000"/>
-                    <a:lumOff val="15000"/>
-                  </a:schemeClr>
-                </a:solidFill>
-                <a:effectLst>
-                  <a:outerShdw dist="38100" dir="2700000" algn="bl" rotWithShape="0">
-                    <a:schemeClr val="accent5"/>
-                  </a:outerShdw>
-                </a:effectLst>
-              </a:rPr>
-              <a:t>,</a:t>
-            </a:r>
-            <a:r>
-              <a:rPr lang="ko-KR" altLang="en-US" sz="3200" b="1" dirty="0">
-                <a:ln w="13462">
-                  <a:solidFill>
-                    <a:schemeClr val="bg1"/>
-                  </a:solidFill>
-                  <a:prstDash val="solid"/>
-                </a:ln>
-                <a:solidFill>
-                  <a:schemeClr val="tx1">
-                    <a:lumMod val="85000"/>
-                    <a:lumOff val="15000"/>
-                  </a:schemeClr>
-                </a:solidFill>
-                <a:effectLst>
-                  <a:outerShdw dist="38100" dir="2700000" algn="bl" rotWithShape="0">
-                    <a:schemeClr val="accent5"/>
-                  </a:outerShdw>
-                </a:effectLst>
-              </a:rPr>
-              <a:t>근지구력</a:t>
-            </a:r>
-            <a:endParaRPr lang="en-US" altLang="ko-KR" sz="3200" b="0" cap="none" spc="0" dirty="0">
+              <a:t>학생관리 순발력</a:t>
+            </a:r>
+            <a:endParaRPr lang="en-US" altLang="ko-KR" sz="4000" b="0" cap="none" spc="0" dirty="0">
               <a:ln w="0"/>
               <a:solidFill>
                 <a:schemeClr val="tx1"/>
@@ -20668,7 +19747,1049 @@
     </p:spTree>
     <p:extLst>
       <p:ext uri="{BB962C8B-B14F-4D97-AF65-F5344CB8AC3E}">
-        <p14:creationId xmlns:p14="http://schemas.microsoft.com/office/powerpoint/2010/main" val="1139911208"/>
+        <p14:creationId xmlns:p14="http://schemas.microsoft.com/office/powerpoint/2010/main" val="3280919976"/>
+      </p:ext>
+    </p:extLst>
+  </p:cSld>
+  <p:clrMapOvr>
+    <a:masterClrMapping/>
+  </p:clrMapOvr>
+</p:sld>
+</file>
+
+<file path=ppt/slides/slide19.xml><?xml version="1.0" encoding="utf-8"?>
+<p:sld xmlns:a="http://schemas.openxmlformats.org/drawingml/2006/main" xmlns:r="http://schemas.openxmlformats.org/officeDocument/2006/relationships" xmlns:p="http://schemas.openxmlformats.org/presentationml/2006/main">
+  <p:cSld>
+    <p:spTree>
+      <p:nvGrpSpPr>
+        <p:cNvPr id="1" name=""/>
+        <p:cNvGrpSpPr/>
+        <p:nvPr/>
+      </p:nvGrpSpPr>
+      <p:grpSpPr>
+        <a:xfrm>
+          <a:off x="0" y="0"/>
+          <a:ext cx="0" cy="0"/>
+          <a:chOff x="0" y="0"/>
+          <a:chExt cx="0" cy="0"/>
+        </a:xfrm>
+      </p:grpSpPr>
+      <p:sp>
+        <p:nvSpPr>
+          <p:cNvPr id="4" name="직사각형 3"/>
+          <p:cNvSpPr/>
+          <p:nvPr/>
+        </p:nvSpPr>
+        <p:spPr>
+          <a:xfrm>
+            <a:off x="-48284" y="0"/>
+            <a:ext cx="4829452" cy="6858000"/>
+          </a:xfrm>
+          <a:prstGeom prst="rect">
+            <a:avLst/>
+          </a:prstGeom>
+          <a:ln w="57150"/>
+        </p:spPr>
+        <p:style>
+          <a:lnRef idx="2">
+            <a:schemeClr val="dk1"/>
+          </a:lnRef>
+          <a:fillRef idx="1">
+            <a:schemeClr val="lt1"/>
+          </a:fillRef>
+          <a:effectRef idx="0">
+            <a:schemeClr val="dk1"/>
+          </a:effectRef>
+          <a:fontRef idx="minor">
+            <a:schemeClr val="dk1"/>
+          </a:fontRef>
+        </p:style>
+        <p:txBody>
+          <a:bodyPr rtlCol="0" anchor="ctr"/>
+          <a:lstStyle/>
+          <a:p>
+            <a:pPr algn="ctr"/>
+            <a:endParaRPr lang="ko-KR" altLang="en-US" dirty="0"/>
+          </a:p>
+        </p:txBody>
+      </p:sp>
+      <p:grpSp>
+        <p:nvGrpSpPr>
+          <p:cNvPr id="23" name="그룹 22"/>
+          <p:cNvGrpSpPr/>
+          <p:nvPr/>
+        </p:nvGrpSpPr>
+        <p:grpSpPr>
+          <a:xfrm>
+            <a:off x="2640395" y="472455"/>
+            <a:ext cx="1876191" cy="523211"/>
+            <a:chOff x="2640395" y="472455"/>
+            <a:chExt cx="1876191" cy="523211"/>
+          </a:xfrm>
+        </p:grpSpPr>
+        <p:sp>
+          <p:nvSpPr>
+            <p:cNvPr id="3" name="직사각형 2">
+              <a:hlinkClick r:id="rId2" action="ppaction://hlinksldjump"/>
+            </p:cNvPr>
+            <p:cNvSpPr/>
+            <p:nvPr/>
+          </p:nvSpPr>
+          <p:spPr>
+            <a:xfrm>
+              <a:off x="2640395" y="595556"/>
+              <a:ext cx="1563326" cy="400110"/>
+            </a:xfrm>
+            <a:prstGeom prst="rect">
+              <a:avLst/>
+            </a:prstGeom>
+            <a:noFill/>
+          </p:spPr>
+          <p:txBody>
+            <a:bodyPr wrap="square" lIns="91440" tIns="45720" rIns="91440" bIns="45720">
+              <a:spAutoFit/>
+            </a:bodyPr>
+            <a:lstStyle/>
+            <a:p>
+              <a:pPr algn="ctr"/>
+              <a:r>
+                <a:rPr lang="ko-KR" altLang="en-US" sz="2000" b="1" cap="none" spc="0" dirty="0">
+                  <a:ln w="22225">
+                    <a:solidFill>
+                      <a:schemeClr val="accent2"/>
+                    </a:solidFill>
+                    <a:prstDash val="solid"/>
+                  </a:ln>
+                  <a:solidFill>
+                    <a:schemeClr val="accent2">
+                      <a:lumMod val="40000"/>
+                      <a:lumOff val="60000"/>
+                    </a:schemeClr>
+                  </a:solidFill>
+                  <a:effectLst/>
+                </a:rPr>
+                <a:t>선생님 </a:t>
+              </a:r>
+              <a:r>
+                <a:rPr lang="en-US" altLang="ko-KR" sz="2000" b="1" cap="none" spc="0" dirty="0" err="1">
+                  <a:ln w="22225">
+                    <a:solidFill>
+                      <a:schemeClr val="accent2"/>
+                    </a:solidFill>
+                    <a:prstDash val="solid"/>
+                  </a:ln>
+                  <a:solidFill>
+                    <a:schemeClr val="accent2">
+                      <a:lumMod val="40000"/>
+                      <a:lumOff val="60000"/>
+                    </a:schemeClr>
+                  </a:solidFill>
+                  <a:effectLst/>
+                </a:rPr>
+                <a:t>ver</a:t>
+              </a:r>
+              <a:endParaRPr lang="en-US" altLang="ko-KR" sz="2000" b="1" cap="none" spc="0" dirty="0">
+                <a:ln w="22225">
+                  <a:solidFill>
+                    <a:schemeClr val="accent2"/>
+                  </a:solidFill>
+                  <a:prstDash val="solid"/>
+                </a:ln>
+                <a:solidFill>
+                  <a:schemeClr val="accent2">
+                    <a:lumMod val="40000"/>
+                    <a:lumOff val="60000"/>
+                  </a:schemeClr>
+                </a:solidFill>
+                <a:effectLst/>
+              </a:endParaRPr>
+            </a:p>
+          </p:txBody>
+        </p:sp>
+        <p:pic>
+          <p:nvPicPr>
+            <p:cNvPr id="18" name="그림 17">
+              <a:hlinkClick r:id="rId2" action="ppaction://hlinksldjump"/>
+            </p:cNvPr>
+            <p:cNvPicPr>
+              <a:picLocks noChangeAspect="1"/>
+            </p:cNvPicPr>
+            <p:nvPr/>
+          </p:nvPicPr>
+          <p:blipFill>
+            <a:blip r:embed="rId3">
+              <a:extLst>
+                <a:ext uri="{28A0092B-C50C-407E-A947-70E740481C1C}">
+                  <a14:useLocalDpi xmlns:a14="http://schemas.microsoft.com/office/drawing/2010/main" val="0"/>
+                </a:ext>
+              </a:extLst>
+            </a:blip>
+            <a:stretch>
+              <a:fillRect/>
+            </a:stretch>
+          </p:blipFill>
+          <p:spPr>
+            <a:xfrm>
+              <a:off x="4085851" y="472455"/>
+              <a:ext cx="430735" cy="407528"/>
+            </a:xfrm>
+            <a:prstGeom prst="rect">
+              <a:avLst/>
+            </a:prstGeom>
+          </p:spPr>
+        </p:pic>
+      </p:grpSp>
+      <p:sp>
+        <p:nvSpPr>
+          <p:cNvPr id="24" name="TextBox 23"/>
+          <p:cNvSpPr txBox="1"/>
+          <p:nvPr/>
+        </p:nvSpPr>
+        <p:spPr>
+          <a:xfrm>
+            <a:off x="5029200" y="386080"/>
+            <a:ext cx="6725920" cy="923330"/>
+          </a:xfrm>
+          <a:prstGeom prst="rect">
+            <a:avLst/>
+          </a:prstGeom>
+          <a:noFill/>
+        </p:spPr>
+        <p:txBody>
+          <a:bodyPr wrap="square" rtlCol="0">
+            <a:spAutoFit/>
+          </a:bodyPr>
+          <a:lstStyle/>
+          <a:p>
+            <a:r>
+              <a:rPr lang="ko-KR" altLang="en-US" dirty="0">
+                <a:solidFill>
+                  <a:srgbClr val="0070C0"/>
+                </a:solidFill>
+              </a:rPr>
+              <a:t>나의 기록과 평균 기록을 비교할 수 있으면 좋겠음</a:t>
+            </a:r>
+            <a:r>
+              <a:rPr lang="en-US" altLang="ko-KR" dirty="0">
+                <a:solidFill>
+                  <a:srgbClr val="0070C0"/>
+                </a:solidFill>
+              </a:rPr>
+              <a:t>.</a:t>
+            </a:r>
+          </a:p>
+          <a:p>
+            <a:endParaRPr lang="en-US" altLang="ko-KR" dirty="0">
+              <a:solidFill>
+                <a:srgbClr val="0070C0"/>
+              </a:solidFill>
+            </a:endParaRPr>
+          </a:p>
+          <a:p>
+            <a:r>
+              <a:rPr lang="ko-KR" altLang="en-US" dirty="0" err="1">
+                <a:solidFill>
+                  <a:srgbClr val="FF0000"/>
+                </a:solidFill>
+              </a:rPr>
+              <a:t>홈버튼</a:t>
+            </a:r>
+            <a:r>
+              <a:rPr lang="ko-KR" altLang="en-US" dirty="0">
+                <a:solidFill>
+                  <a:srgbClr val="FF0000"/>
+                </a:solidFill>
+              </a:rPr>
+              <a:t> 클릭</a:t>
+            </a:r>
+          </a:p>
+        </p:txBody>
+      </p:sp>
+      <p:grpSp>
+        <p:nvGrpSpPr>
+          <p:cNvPr id="20" name="그룹 19"/>
+          <p:cNvGrpSpPr/>
+          <p:nvPr/>
+        </p:nvGrpSpPr>
+        <p:grpSpPr>
+          <a:xfrm>
+            <a:off x="215109" y="170077"/>
+            <a:ext cx="1799555" cy="973193"/>
+            <a:chOff x="215109" y="-22544"/>
+            <a:chExt cx="3836270" cy="2069303"/>
+          </a:xfrm>
+        </p:grpSpPr>
+        <p:grpSp>
+          <p:nvGrpSpPr>
+            <p:cNvPr id="21" name="그룹 20"/>
+            <p:cNvGrpSpPr/>
+            <p:nvPr/>
+          </p:nvGrpSpPr>
+          <p:grpSpPr>
+            <a:xfrm>
+              <a:off x="1532247" y="-22544"/>
+              <a:ext cx="2519132" cy="2069303"/>
+              <a:chOff x="567466" y="-76730"/>
+              <a:chExt cx="2519132" cy="2069303"/>
+            </a:xfrm>
+          </p:grpSpPr>
+          <p:grpSp>
+            <p:nvGrpSpPr>
+              <p:cNvPr id="29" name="그룹 28"/>
+              <p:cNvGrpSpPr/>
+              <p:nvPr/>
+            </p:nvGrpSpPr>
+            <p:grpSpPr>
+              <a:xfrm>
+                <a:off x="567466" y="880049"/>
+                <a:ext cx="2519132" cy="1112524"/>
+                <a:chOff x="1277679" y="1013745"/>
+                <a:chExt cx="2519132" cy="1112524"/>
+              </a:xfrm>
+            </p:grpSpPr>
+            <p:sp>
+              <p:nvSpPr>
+                <p:cNvPr id="31" name="직사각형 30"/>
+                <p:cNvSpPr/>
+                <p:nvPr/>
+              </p:nvSpPr>
+              <p:spPr>
+                <a:xfrm>
+                  <a:off x="1277679" y="1255567"/>
+                  <a:ext cx="1159136" cy="654427"/>
+                </a:xfrm>
+                <a:prstGeom prst="rect">
+                  <a:avLst/>
+                </a:prstGeom>
+                <a:noFill/>
+              </p:spPr>
+              <p:txBody>
+                <a:bodyPr wrap="none" lIns="91440" tIns="45720" rIns="91440" bIns="45720">
+                  <a:spAutoFit/>
+                </a:bodyPr>
+                <a:lstStyle/>
+                <a:p>
+                  <a:pPr algn="ctr"/>
+                  <a:r>
+                    <a:rPr lang="ko-KR" altLang="en-US" sz="1400" dirty="0">
+                      <a:ln w="0"/>
+                      <a:effectLst>
+                        <a:outerShdw blurRad="38100" dist="19050" dir="2700000" algn="tl" rotWithShape="0">
+                          <a:schemeClr val="dk1">
+                            <a:alpha val="40000"/>
+                          </a:schemeClr>
+                        </a:outerShdw>
+                      </a:effectLst>
+                    </a:rPr>
+                    <a:t>체력</a:t>
+                  </a:r>
+                  <a:endParaRPr lang="en-US" altLang="ko-KR" sz="1400" dirty="0">
+                    <a:ln w="0"/>
+                    <a:effectLst>
+                      <a:outerShdw blurRad="38100" dist="19050" dir="2700000" algn="tl" rotWithShape="0">
+                        <a:schemeClr val="dk1">
+                          <a:alpha val="40000"/>
+                        </a:schemeClr>
+                      </a:outerShdw>
+                    </a:effectLst>
+                  </a:endParaRPr>
+                </a:p>
+              </p:txBody>
+            </p:sp>
+            <p:sp>
+              <p:nvSpPr>
+                <p:cNvPr id="32" name="직사각형 31"/>
+                <p:cNvSpPr/>
+                <p:nvPr/>
+              </p:nvSpPr>
+              <p:spPr>
+                <a:xfrm>
+                  <a:off x="2325461" y="1013745"/>
+                  <a:ext cx="1471350" cy="1112524"/>
+                </a:xfrm>
+                <a:prstGeom prst="rect">
+                  <a:avLst/>
+                </a:prstGeom>
+                <a:noFill/>
+              </p:spPr>
+              <p:txBody>
+                <a:bodyPr wrap="square" lIns="91440" tIns="45720" rIns="91440" bIns="45720">
+                  <a:spAutoFit/>
+                </a:bodyPr>
+                <a:lstStyle/>
+                <a:p>
+                  <a:pPr algn="ctr"/>
+                  <a:r>
+                    <a:rPr lang="en-US" altLang="ko-KR" sz="2800" b="1" dirty="0">
+                      <a:ln w="12700" cmpd="sng">
+                        <a:solidFill>
+                          <a:schemeClr val="accent4"/>
+                        </a:solidFill>
+                        <a:prstDash val="solid"/>
+                      </a:ln>
+                      <a:gradFill>
+                        <a:gsLst>
+                          <a:gs pos="0">
+                            <a:schemeClr val="accent4"/>
+                          </a:gs>
+                          <a:gs pos="4000">
+                            <a:schemeClr val="accent4">
+                              <a:lumMod val="60000"/>
+                              <a:lumOff val="40000"/>
+                            </a:schemeClr>
+                          </a:gs>
+                          <a:gs pos="87000">
+                            <a:schemeClr val="accent4">
+                              <a:lumMod val="20000"/>
+                              <a:lumOff val="80000"/>
+                            </a:schemeClr>
+                          </a:gs>
+                        </a:gsLst>
+                        <a:lin ang="5400000"/>
+                      </a:gradFill>
+                    </a:rPr>
+                    <a:t>Up</a:t>
+                  </a:r>
+                  <a:endParaRPr lang="en-US" altLang="ko-KR" sz="2800" b="1" cap="none" spc="0" dirty="0">
+                    <a:ln w="12700" cmpd="sng">
+                      <a:solidFill>
+                        <a:schemeClr val="accent4"/>
+                      </a:solidFill>
+                      <a:prstDash val="solid"/>
+                    </a:ln>
+                    <a:gradFill>
+                      <a:gsLst>
+                        <a:gs pos="0">
+                          <a:schemeClr val="accent4"/>
+                        </a:gs>
+                        <a:gs pos="4000">
+                          <a:schemeClr val="accent4">
+                            <a:lumMod val="60000"/>
+                            <a:lumOff val="40000"/>
+                          </a:schemeClr>
+                        </a:gs>
+                        <a:gs pos="87000">
+                          <a:schemeClr val="accent4">
+                            <a:lumMod val="20000"/>
+                            <a:lumOff val="80000"/>
+                          </a:schemeClr>
+                        </a:gs>
+                      </a:gsLst>
+                      <a:lin ang="5400000"/>
+                    </a:gradFill>
+                    <a:effectLst/>
+                  </a:endParaRPr>
+                </a:p>
+              </p:txBody>
+            </p:sp>
+          </p:grpSp>
+          <p:pic>
+            <p:nvPicPr>
+              <p:cNvPr id="30" name="그림 29"/>
+              <p:cNvPicPr>
+                <a:picLocks noChangeAspect="1"/>
+              </p:cNvPicPr>
+              <p:nvPr/>
+            </p:nvPicPr>
+            <p:blipFill>
+              <a:blip r:embed="rId4">
+                <a:extLst>
+                  <a:ext uri="{28A0092B-C50C-407E-A947-70E740481C1C}">
+                    <a14:useLocalDpi xmlns:a14="http://schemas.microsoft.com/office/drawing/2010/main" val="0"/>
+                  </a:ext>
+                </a:extLst>
+              </a:blip>
+              <a:stretch>
+                <a:fillRect/>
+              </a:stretch>
+            </p:blipFill>
+            <p:spPr>
+              <a:xfrm>
+                <a:off x="910977" y="-76730"/>
+                <a:ext cx="1085891" cy="1223538"/>
+              </a:xfrm>
+              <a:prstGeom prst="rect">
+                <a:avLst/>
+              </a:prstGeom>
+            </p:spPr>
+          </p:pic>
+        </p:grpSp>
+        <p:sp>
+          <p:nvSpPr>
+            <p:cNvPr id="25" name="TextBox 24"/>
+            <p:cNvSpPr txBox="1"/>
+            <p:nvPr/>
+          </p:nvSpPr>
+          <p:spPr>
+            <a:xfrm>
+              <a:off x="215109" y="856425"/>
+              <a:ext cx="1695622" cy="654427"/>
+            </a:xfrm>
+            <a:prstGeom prst="rect">
+              <a:avLst/>
+            </a:prstGeom>
+            <a:noFill/>
+          </p:spPr>
+          <p:txBody>
+            <a:bodyPr wrap="square" rtlCol="0">
+              <a:spAutoFit/>
+            </a:bodyPr>
+            <a:lstStyle/>
+            <a:p>
+              <a:r>
+                <a:rPr lang="en-US" altLang="ko-KR" sz="1400" i="1" dirty="0">
+                  <a:effectLst>
+                    <a:outerShdw blurRad="38100" dist="38100" dir="2700000" algn="tl">
+                      <a:srgbClr val="000000">
+                        <a:alpha val="43137"/>
+                      </a:srgbClr>
+                    </a:outerShdw>
+                  </a:effectLst>
+                </a:rPr>
+                <a:t>Hi-Pass</a:t>
+              </a:r>
+              <a:endParaRPr lang="ko-KR" altLang="en-US" sz="1400" i="1" dirty="0">
+                <a:effectLst>
+                  <a:outerShdw blurRad="38100" dist="38100" dir="2700000" algn="tl">
+                    <a:srgbClr val="000000">
+                      <a:alpha val="43137"/>
+                    </a:srgbClr>
+                  </a:outerShdw>
+                </a:effectLst>
+              </a:endParaRPr>
+            </a:p>
+          </p:txBody>
+        </p:sp>
+        <p:cxnSp>
+          <p:nvCxnSpPr>
+            <p:cNvPr id="26" name="직선 연결선 25"/>
+            <p:cNvCxnSpPr/>
+            <p:nvPr/>
+          </p:nvCxnSpPr>
+          <p:spPr>
+            <a:xfrm>
+              <a:off x="283776" y="437625"/>
+              <a:ext cx="1097763" cy="0"/>
+            </a:xfrm>
+            <a:prstGeom prst="line">
+              <a:avLst/>
+            </a:prstGeom>
+            <a:ln w="25400"/>
+          </p:spPr>
+          <p:style>
+            <a:lnRef idx="1">
+              <a:schemeClr val="accent1"/>
+            </a:lnRef>
+            <a:fillRef idx="0">
+              <a:schemeClr val="accent1"/>
+            </a:fillRef>
+            <a:effectRef idx="0">
+              <a:schemeClr val="accent1"/>
+            </a:effectRef>
+            <a:fontRef idx="minor">
+              <a:schemeClr val="tx1"/>
+            </a:fontRef>
+          </p:style>
+        </p:cxnSp>
+        <p:cxnSp>
+          <p:nvCxnSpPr>
+            <p:cNvPr id="27" name="직선 연결선 26"/>
+            <p:cNvCxnSpPr/>
+            <p:nvPr/>
+          </p:nvCxnSpPr>
+          <p:spPr>
+            <a:xfrm>
+              <a:off x="488724" y="632063"/>
+              <a:ext cx="1097763" cy="0"/>
+            </a:xfrm>
+            <a:prstGeom prst="line">
+              <a:avLst/>
+            </a:prstGeom>
+            <a:ln w="25400"/>
+          </p:spPr>
+          <p:style>
+            <a:lnRef idx="1">
+              <a:schemeClr val="accent1"/>
+            </a:lnRef>
+            <a:fillRef idx="0">
+              <a:schemeClr val="accent1"/>
+            </a:fillRef>
+            <a:effectRef idx="0">
+              <a:schemeClr val="accent1"/>
+            </a:effectRef>
+            <a:fontRef idx="minor">
+              <a:schemeClr val="tx1"/>
+            </a:fontRef>
+          </p:style>
+        </p:cxnSp>
+        <p:cxnSp>
+          <p:nvCxnSpPr>
+            <p:cNvPr id="28" name="직선 연결선 27"/>
+            <p:cNvCxnSpPr/>
+            <p:nvPr/>
+          </p:nvCxnSpPr>
+          <p:spPr>
+            <a:xfrm>
+              <a:off x="651641" y="826507"/>
+              <a:ext cx="1097763" cy="0"/>
+            </a:xfrm>
+            <a:prstGeom prst="line">
+              <a:avLst/>
+            </a:prstGeom>
+            <a:ln w="25400"/>
+          </p:spPr>
+          <p:style>
+            <a:lnRef idx="1">
+              <a:schemeClr val="accent1"/>
+            </a:lnRef>
+            <a:fillRef idx="0">
+              <a:schemeClr val="accent1"/>
+            </a:fillRef>
+            <a:effectRef idx="0">
+              <a:schemeClr val="accent1"/>
+            </a:effectRef>
+            <a:fontRef idx="minor">
+              <a:schemeClr val="tx1"/>
+            </a:fontRef>
+          </p:style>
+        </p:cxnSp>
+      </p:grpSp>
+      <p:sp>
+        <p:nvSpPr>
+          <p:cNvPr id="2" name="직사각형 1">
+            <a:extLst>
+              <a:ext uri="{FF2B5EF4-FFF2-40B4-BE49-F238E27FC236}">
+                <a16:creationId xmlns:a16="http://schemas.microsoft.com/office/drawing/2014/main" id="{172786AA-FFBB-424A-BD3C-0580F3598F61}"/>
+              </a:ext>
+            </a:extLst>
+          </p:cNvPr>
+          <p:cNvSpPr/>
+          <p:nvPr/>
+        </p:nvSpPr>
+        <p:spPr>
+          <a:xfrm>
+            <a:off x="203222" y="2335668"/>
+            <a:ext cx="4301477" cy="392516"/>
+          </a:xfrm>
+          <a:prstGeom prst="rect">
+            <a:avLst/>
+          </a:prstGeom>
+        </p:spPr>
+        <p:style>
+          <a:lnRef idx="2">
+            <a:schemeClr val="accent1">
+              <a:shade val="50000"/>
+            </a:schemeClr>
+          </a:lnRef>
+          <a:fillRef idx="1">
+            <a:schemeClr val="accent1"/>
+          </a:fillRef>
+          <a:effectRef idx="0">
+            <a:schemeClr val="accent1"/>
+          </a:effectRef>
+          <a:fontRef idx="minor">
+            <a:schemeClr val="lt1"/>
+          </a:fontRef>
+        </p:style>
+        <p:txBody>
+          <a:bodyPr rtlCol="0" anchor="ctr"/>
+          <a:lstStyle/>
+          <a:p>
+            <a:pPr algn="ctr"/>
+            <a:r>
+              <a:rPr lang="en-US" altLang="ko-KR" dirty="0"/>
+              <a:t>2017</a:t>
+            </a:r>
+            <a:r>
+              <a:rPr lang="ko-KR" altLang="en-US" dirty="0"/>
+              <a:t>년 </a:t>
+            </a:r>
+            <a:r>
+              <a:rPr lang="en-US" altLang="ko-KR" dirty="0"/>
+              <a:t>07</a:t>
+            </a:r>
+            <a:r>
+              <a:rPr lang="ko-KR" altLang="en-US" dirty="0"/>
+              <a:t>월 </a:t>
+            </a:r>
+            <a:r>
+              <a:rPr lang="en-US" altLang="ko-KR" dirty="0"/>
+              <a:t>05</a:t>
+            </a:r>
+            <a:r>
+              <a:rPr lang="ko-KR" altLang="en-US" dirty="0"/>
+              <a:t>일 </a:t>
+            </a:r>
+            <a:r>
+              <a:rPr lang="en-US" altLang="ko-KR" dirty="0"/>
+              <a:t>02</a:t>
+            </a:r>
+            <a:r>
+              <a:rPr lang="ko-KR" altLang="en-US" dirty="0"/>
+              <a:t>시  </a:t>
+            </a:r>
+            <a:r>
+              <a:rPr lang="en-US" altLang="ko-KR" dirty="0"/>
+              <a:t>: 15</a:t>
+            </a:r>
+            <a:r>
+              <a:rPr lang="ko-KR" altLang="en-US" dirty="0"/>
+              <a:t>초 </a:t>
+            </a:r>
+            <a:r>
+              <a:rPr lang="en-US" altLang="ko-KR" dirty="0"/>
+              <a:t>03</a:t>
+            </a:r>
+            <a:endParaRPr lang="ko-KR" altLang="en-US" dirty="0"/>
+          </a:p>
+        </p:txBody>
+      </p:sp>
+      <p:sp>
+        <p:nvSpPr>
+          <p:cNvPr id="38" name="직사각형 37">
+            <a:extLst>
+              <a:ext uri="{FF2B5EF4-FFF2-40B4-BE49-F238E27FC236}">
+                <a16:creationId xmlns:a16="http://schemas.microsoft.com/office/drawing/2014/main" id="{9E8C8271-408A-4E9C-8B9D-2E8099C69ECE}"/>
+              </a:ext>
+            </a:extLst>
+          </p:cNvPr>
+          <p:cNvSpPr/>
+          <p:nvPr/>
+        </p:nvSpPr>
+        <p:spPr>
+          <a:xfrm>
+            <a:off x="450869" y="1120746"/>
+            <a:ext cx="3956532" cy="707886"/>
+          </a:xfrm>
+          <a:prstGeom prst="rect">
+            <a:avLst/>
+          </a:prstGeom>
+          <a:noFill/>
+        </p:spPr>
+        <p:txBody>
+          <a:bodyPr wrap="none" lIns="91440" tIns="45720" rIns="91440" bIns="45720">
+            <a:spAutoFit/>
+          </a:bodyPr>
+          <a:lstStyle/>
+          <a:p>
+            <a:pPr algn="ctr"/>
+            <a:r>
+              <a:rPr lang="ko-KR" altLang="en-US" sz="4000" b="1" dirty="0">
+                <a:ln w="13462">
+                  <a:solidFill>
+                    <a:schemeClr val="bg1"/>
+                  </a:solidFill>
+                  <a:prstDash val="solid"/>
+                </a:ln>
+                <a:solidFill>
+                  <a:schemeClr val="tx1">
+                    <a:lumMod val="85000"/>
+                    <a:lumOff val="15000"/>
+                  </a:schemeClr>
+                </a:solidFill>
+                <a:effectLst>
+                  <a:outerShdw dist="38100" dir="2700000" algn="bl" rotWithShape="0">
+                    <a:schemeClr val="accent5"/>
+                  </a:outerShdw>
+                </a:effectLst>
+              </a:rPr>
+              <a:t>학생관리 순발력</a:t>
+            </a:r>
+            <a:endParaRPr lang="en-US" altLang="ko-KR" sz="4000" b="0" cap="none" spc="0" dirty="0">
+              <a:ln w="0"/>
+              <a:solidFill>
+                <a:schemeClr val="tx1"/>
+              </a:solidFill>
+              <a:effectLst>
+                <a:outerShdw blurRad="38100" dist="19050" dir="2700000" algn="tl" rotWithShape="0">
+                  <a:schemeClr val="dk1">
+                    <a:alpha val="40000"/>
+                  </a:schemeClr>
+                </a:outerShdw>
+              </a:effectLst>
+            </a:endParaRPr>
+          </a:p>
+        </p:txBody>
+      </p:sp>
+      <p:sp>
+        <p:nvSpPr>
+          <p:cNvPr id="33" name="직사각형 32">
+            <a:extLst>
+              <a:ext uri="{FF2B5EF4-FFF2-40B4-BE49-F238E27FC236}">
+                <a16:creationId xmlns:a16="http://schemas.microsoft.com/office/drawing/2014/main" id="{C9C75E8D-CC0E-4D3E-A961-00608322D8B4}"/>
+              </a:ext>
+            </a:extLst>
+          </p:cNvPr>
+          <p:cNvSpPr/>
+          <p:nvPr/>
+        </p:nvSpPr>
+        <p:spPr>
+          <a:xfrm>
+            <a:off x="12482" y="1823547"/>
+            <a:ext cx="2402244" cy="408168"/>
+          </a:xfrm>
+          <a:prstGeom prst="rect">
+            <a:avLst/>
+          </a:prstGeom>
+          <a:noFill/>
+        </p:spPr>
+        <p:style>
+          <a:lnRef idx="2">
+            <a:schemeClr val="accent1">
+              <a:shade val="50000"/>
+            </a:schemeClr>
+          </a:lnRef>
+          <a:fillRef idx="1">
+            <a:schemeClr val="accent1"/>
+          </a:fillRef>
+          <a:effectRef idx="0">
+            <a:schemeClr val="accent1"/>
+          </a:effectRef>
+          <a:fontRef idx="minor">
+            <a:schemeClr val="lt1"/>
+          </a:fontRef>
+        </p:style>
+        <p:txBody>
+          <a:bodyPr rtlCol="0" anchor="ctr"/>
+          <a:lstStyle/>
+          <a:p>
+            <a:pPr algn="ctr"/>
+            <a:r>
+              <a:rPr lang="en-US" altLang="ko-KR" sz="1600" dirty="0">
+                <a:solidFill>
+                  <a:schemeClr val="tx1"/>
+                </a:solidFill>
+                <a:effectLst>
+                  <a:outerShdw blurRad="38100" dist="38100" dir="2700000" algn="tl">
+                    <a:srgbClr val="000000">
+                      <a:alpha val="43137"/>
+                    </a:srgbClr>
+                  </a:outerShdw>
+                </a:effectLst>
+              </a:rPr>
+              <a:t>1</a:t>
+            </a:r>
+            <a:r>
+              <a:rPr lang="ko-KR" altLang="en-US" sz="1600" dirty="0">
+                <a:solidFill>
+                  <a:schemeClr val="tx1"/>
+                </a:solidFill>
+                <a:effectLst>
+                  <a:outerShdw blurRad="38100" dist="38100" dir="2700000" algn="tl">
+                    <a:srgbClr val="000000">
+                      <a:alpha val="43137"/>
+                    </a:srgbClr>
+                  </a:outerShdw>
+                </a:effectLst>
+              </a:rPr>
+              <a:t>학년 </a:t>
+            </a:r>
+            <a:r>
+              <a:rPr lang="en-US" altLang="ko-KR" sz="1600" dirty="0">
+                <a:solidFill>
+                  <a:schemeClr val="tx1"/>
+                </a:solidFill>
+                <a:effectLst>
+                  <a:outerShdw blurRad="38100" dist="38100" dir="2700000" algn="tl">
+                    <a:srgbClr val="000000">
+                      <a:alpha val="43137"/>
+                    </a:srgbClr>
+                  </a:outerShdw>
+                </a:effectLst>
+              </a:rPr>
+              <a:t>1</a:t>
+            </a:r>
+            <a:r>
+              <a:rPr lang="ko-KR" altLang="en-US" sz="1600" dirty="0">
+                <a:solidFill>
+                  <a:schemeClr val="tx1"/>
+                </a:solidFill>
+                <a:effectLst>
+                  <a:outerShdw blurRad="38100" dist="38100" dir="2700000" algn="tl">
+                    <a:srgbClr val="000000">
+                      <a:alpha val="43137"/>
+                    </a:srgbClr>
+                  </a:outerShdw>
+                </a:effectLst>
+              </a:rPr>
+              <a:t>반 </a:t>
+            </a:r>
+            <a:r>
+              <a:rPr lang="ko-KR" altLang="en-US" sz="1600" dirty="0" err="1">
+                <a:solidFill>
+                  <a:schemeClr val="tx1"/>
+                </a:solidFill>
+                <a:effectLst>
+                  <a:outerShdw blurRad="38100" dist="38100" dir="2700000" algn="tl">
+                    <a:srgbClr val="000000">
+                      <a:alpha val="43137"/>
+                    </a:srgbClr>
+                  </a:outerShdw>
+                </a:effectLst>
+              </a:rPr>
+              <a:t>가가가</a:t>
+            </a:r>
+            <a:r>
+              <a:rPr lang="ko-KR" altLang="en-US" sz="1600" dirty="0">
+                <a:solidFill>
+                  <a:schemeClr val="tx1"/>
+                </a:solidFill>
+                <a:effectLst>
+                  <a:outerShdw blurRad="38100" dist="38100" dir="2700000" algn="tl">
+                    <a:srgbClr val="000000">
+                      <a:alpha val="43137"/>
+                    </a:srgbClr>
+                  </a:outerShdw>
+                </a:effectLst>
+              </a:rPr>
+              <a:t> </a:t>
+            </a:r>
+            <a:r>
+              <a:rPr lang="en-US" altLang="ko-KR" sz="1600" dirty="0">
+                <a:solidFill>
+                  <a:schemeClr val="tx1"/>
+                </a:solidFill>
+                <a:effectLst>
+                  <a:outerShdw blurRad="38100" dist="38100" dir="2700000" algn="tl">
+                    <a:srgbClr val="000000">
+                      <a:alpha val="43137"/>
+                    </a:srgbClr>
+                  </a:outerShdw>
+                </a:effectLst>
+              </a:rPr>
+              <a:t>(</a:t>
+            </a:r>
+            <a:r>
+              <a:rPr lang="ko-KR" altLang="en-US" sz="1600" dirty="0">
+                <a:solidFill>
+                  <a:schemeClr val="tx1"/>
+                </a:solidFill>
+                <a:effectLst>
+                  <a:outerShdw blurRad="38100" dist="38100" dir="2700000" algn="tl">
+                    <a:srgbClr val="000000">
+                      <a:alpha val="43137"/>
+                    </a:srgbClr>
+                  </a:outerShdw>
+                </a:effectLst>
+              </a:rPr>
+              <a:t>남자</a:t>
+            </a:r>
+            <a:r>
+              <a:rPr lang="en-US" altLang="ko-KR" sz="1600" dirty="0">
+                <a:solidFill>
+                  <a:schemeClr val="tx1"/>
+                </a:solidFill>
+                <a:effectLst>
+                  <a:outerShdw blurRad="38100" dist="38100" dir="2700000" algn="tl">
+                    <a:srgbClr val="000000">
+                      <a:alpha val="43137"/>
+                    </a:srgbClr>
+                  </a:outerShdw>
+                </a:effectLst>
+              </a:rPr>
+              <a:t>)</a:t>
+            </a:r>
+            <a:endParaRPr lang="ko-KR" altLang="en-US" sz="1600" dirty="0">
+              <a:solidFill>
+                <a:schemeClr val="tx1"/>
+              </a:solidFill>
+              <a:effectLst>
+                <a:outerShdw blurRad="38100" dist="38100" dir="2700000" algn="tl">
+                  <a:srgbClr val="000000">
+                    <a:alpha val="43137"/>
+                  </a:srgbClr>
+                </a:outerShdw>
+              </a:effectLst>
+            </a:endParaRPr>
+          </a:p>
+        </p:txBody>
+      </p:sp>
+      <p:sp>
+        <p:nvSpPr>
+          <p:cNvPr id="34" name="직사각형 33">
+            <a:extLst>
+              <a:ext uri="{FF2B5EF4-FFF2-40B4-BE49-F238E27FC236}">
+                <a16:creationId xmlns:a16="http://schemas.microsoft.com/office/drawing/2014/main" id="{486FE4F3-765A-4F00-952B-593F26C32B7D}"/>
+              </a:ext>
+            </a:extLst>
+          </p:cNvPr>
+          <p:cNvSpPr/>
+          <p:nvPr/>
+        </p:nvSpPr>
+        <p:spPr>
+          <a:xfrm>
+            <a:off x="2666975" y="1805374"/>
+            <a:ext cx="1621246" cy="444513"/>
+          </a:xfrm>
+          <a:prstGeom prst="rect">
+            <a:avLst/>
+          </a:prstGeom>
+        </p:spPr>
+        <p:style>
+          <a:lnRef idx="2">
+            <a:schemeClr val="accent1">
+              <a:shade val="50000"/>
+            </a:schemeClr>
+          </a:lnRef>
+          <a:fillRef idx="1">
+            <a:schemeClr val="accent1"/>
+          </a:fillRef>
+          <a:effectRef idx="0">
+            <a:schemeClr val="accent1"/>
+          </a:effectRef>
+          <a:fontRef idx="minor">
+            <a:schemeClr val="lt1"/>
+          </a:fontRef>
+        </p:style>
+        <p:txBody>
+          <a:bodyPr rtlCol="0" anchor="ctr"/>
+          <a:lstStyle/>
+          <a:p>
+            <a:pPr algn="ctr"/>
+            <a:r>
+              <a:rPr lang="en-US" altLang="ko-KR" dirty="0"/>
+              <a:t>50M </a:t>
+            </a:r>
+            <a:r>
+              <a:rPr lang="ko-KR" altLang="en-US" dirty="0"/>
+              <a:t>달리기</a:t>
+            </a:r>
+            <a:endParaRPr lang="ko-KR" altLang="en-US" sz="1400" dirty="0"/>
+          </a:p>
+        </p:txBody>
+      </p:sp>
+      <p:graphicFrame>
+        <p:nvGraphicFramePr>
+          <p:cNvPr id="8" name="차트 7">
+            <a:extLst>
+              <a:ext uri="{FF2B5EF4-FFF2-40B4-BE49-F238E27FC236}">
+                <a16:creationId xmlns:a16="http://schemas.microsoft.com/office/drawing/2014/main" id="{BE50B1E0-0517-4B16-9B8A-A49BAC1526C8}"/>
+              </a:ext>
+            </a:extLst>
+          </p:cNvPr>
+          <p:cNvGraphicFramePr/>
+          <p:nvPr>
+            <p:extLst>
+              <p:ext uri="{D42A27DB-BD31-4B8C-83A1-F6EECF244321}">
+                <p14:modId xmlns:p14="http://schemas.microsoft.com/office/powerpoint/2010/main" val="4156106271"/>
+              </p:ext>
+            </p:extLst>
+          </p:nvPr>
+        </p:nvGraphicFramePr>
+        <p:xfrm>
+          <a:off x="156920" y="3113718"/>
+          <a:ext cx="4347779" cy="3413206"/>
+        </p:xfrm>
+        <a:graphic>
+          <a:graphicData uri="http://schemas.openxmlformats.org/drawingml/2006/chart">
+            <c:chart xmlns:c="http://schemas.openxmlformats.org/drawingml/2006/chart" xmlns:r="http://schemas.openxmlformats.org/officeDocument/2006/relationships" r:id="rId5"/>
+          </a:graphicData>
+        </a:graphic>
+      </p:graphicFrame>
+    </p:spTree>
+    <p:extLst>
+      <p:ext uri="{BB962C8B-B14F-4D97-AF65-F5344CB8AC3E}">
+        <p14:creationId xmlns:p14="http://schemas.microsoft.com/office/powerpoint/2010/main" val="3063172077"/>
       </p:ext>
     </p:extLst>
   </p:cSld>
@@ -21711,6 +21832,1445 @@
         <p:spPr>
           <a:xfrm>
             <a:off x="5029200" y="386080"/>
+            <a:ext cx="6725920" cy="1200329"/>
+          </a:xfrm>
+          <a:prstGeom prst="rect">
+            <a:avLst/>
+          </a:prstGeom>
+          <a:noFill/>
+        </p:spPr>
+        <p:txBody>
+          <a:bodyPr wrap="square" rtlCol="0">
+            <a:spAutoFit/>
+          </a:bodyPr>
+          <a:lstStyle/>
+          <a:p>
+            <a:r>
+              <a:rPr lang="ko-KR" altLang="en-US" dirty="0" err="1">
+                <a:solidFill>
+                  <a:srgbClr val="0070C0"/>
+                </a:solidFill>
+              </a:rPr>
+              <a:t>근력근지구력</a:t>
+            </a:r>
+            <a:r>
+              <a:rPr lang="ko-KR" altLang="en-US" dirty="0">
+                <a:solidFill>
+                  <a:srgbClr val="0070C0"/>
+                </a:solidFill>
+              </a:rPr>
+              <a:t> </a:t>
+            </a:r>
+            <a:r>
+              <a:rPr lang="en-US" altLang="ko-KR" dirty="0">
+                <a:solidFill>
+                  <a:srgbClr val="0070C0"/>
+                </a:solidFill>
+              </a:rPr>
+              <a:t>– </a:t>
+            </a:r>
+            <a:r>
+              <a:rPr lang="ko-KR" altLang="en-US" dirty="0">
+                <a:solidFill>
+                  <a:srgbClr val="0070C0"/>
+                </a:solidFill>
+              </a:rPr>
+              <a:t>날짜와 횟수가 나오면 좋겠음</a:t>
+            </a:r>
+            <a:r>
+              <a:rPr lang="en-US" altLang="ko-KR" dirty="0">
+                <a:solidFill>
+                  <a:srgbClr val="0070C0"/>
+                </a:solidFill>
+              </a:rPr>
+              <a:t>.</a:t>
+            </a:r>
+          </a:p>
+          <a:p>
+            <a:endParaRPr lang="en-US" altLang="ko-KR" dirty="0">
+              <a:solidFill>
+                <a:srgbClr val="0070C0"/>
+              </a:solidFill>
+            </a:endParaRPr>
+          </a:p>
+          <a:p>
+            <a:r>
+              <a:rPr lang="en-US" altLang="ko-KR" dirty="0">
+                <a:solidFill>
+                  <a:srgbClr val="FF0000"/>
+                </a:solidFill>
+              </a:rPr>
+              <a:t>2017</a:t>
+            </a:r>
+            <a:r>
+              <a:rPr lang="ko-KR" altLang="en-US" dirty="0">
+                <a:solidFill>
+                  <a:srgbClr val="FF0000"/>
+                </a:solidFill>
+              </a:rPr>
+              <a:t>년 </a:t>
+            </a:r>
+            <a:r>
+              <a:rPr lang="en-US" altLang="ko-KR" dirty="0">
+                <a:solidFill>
+                  <a:srgbClr val="FF0000"/>
+                </a:solidFill>
+              </a:rPr>
+              <a:t>7</a:t>
+            </a:r>
+            <a:r>
+              <a:rPr lang="ko-KR" altLang="en-US" dirty="0">
+                <a:solidFill>
+                  <a:srgbClr val="FF0000"/>
+                </a:solidFill>
+              </a:rPr>
+              <a:t>월 </a:t>
+            </a:r>
+            <a:r>
+              <a:rPr lang="en-US" altLang="ko-KR" dirty="0">
+                <a:solidFill>
+                  <a:srgbClr val="FF0000"/>
+                </a:solidFill>
+              </a:rPr>
+              <a:t>5</a:t>
+            </a:r>
+            <a:r>
+              <a:rPr lang="ko-KR" altLang="en-US" dirty="0">
+                <a:solidFill>
+                  <a:srgbClr val="FF0000"/>
+                </a:solidFill>
+              </a:rPr>
+              <a:t>일 클릭</a:t>
+            </a:r>
+            <a:endParaRPr lang="en-US" altLang="ko-KR" dirty="0">
+              <a:solidFill>
+                <a:srgbClr val="FF0000"/>
+              </a:solidFill>
+            </a:endParaRPr>
+          </a:p>
+          <a:p>
+            <a:r>
+              <a:rPr lang="ko-KR" altLang="en-US" dirty="0" err="1">
+                <a:solidFill>
+                  <a:srgbClr val="FF0000"/>
+                </a:solidFill>
+              </a:rPr>
+              <a:t>홈버튼</a:t>
+            </a:r>
+            <a:r>
+              <a:rPr lang="ko-KR" altLang="en-US" dirty="0">
+                <a:solidFill>
+                  <a:srgbClr val="FF0000"/>
+                </a:solidFill>
+              </a:rPr>
+              <a:t> 클릭</a:t>
+            </a:r>
+            <a:endParaRPr lang="en-US" altLang="ko-KR" dirty="0">
+              <a:solidFill>
+                <a:srgbClr val="FF0000"/>
+              </a:solidFill>
+            </a:endParaRPr>
+          </a:p>
+        </p:txBody>
+      </p:sp>
+      <p:grpSp>
+        <p:nvGrpSpPr>
+          <p:cNvPr id="20" name="그룹 19"/>
+          <p:cNvGrpSpPr/>
+          <p:nvPr/>
+        </p:nvGrpSpPr>
+        <p:grpSpPr>
+          <a:xfrm>
+            <a:off x="215109" y="170077"/>
+            <a:ext cx="1799555" cy="973193"/>
+            <a:chOff x="215109" y="-22544"/>
+            <a:chExt cx="3836270" cy="2069303"/>
+          </a:xfrm>
+        </p:grpSpPr>
+        <p:grpSp>
+          <p:nvGrpSpPr>
+            <p:cNvPr id="21" name="그룹 20"/>
+            <p:cNvGrpSpPr/>
+            <p:nvPr/>
+          </p:nvGrpSpPr>
+          <p:grpSpPr>
+            <a:xfrm>
+              <a:off x="1532247" y="-22544"/>
+              <a:ext cx="2519132" cy="2069303"/>
+              <a:chOff x="567466" y="-76730"/>
+              <a:chExt cx="2519132" cy="2069303"/>
+            </a:xfrm>
+          </p:grpSpPr>
+          <p:grpSp>
+            <p:nvGrpSpPr>
+              <p:cNvPr id="29" name="그룹 28"/>
+              <p:cNvGrpSpPr/>
+              <p:nvPr/>
+            </p:nvGrpSpPr>
+            <p:grpSpPr>
+              <a:xfrm>
+                <a:off x="567466" y="880049"/>
+                <a:ext cx="2519132" cy="1112524"/>
+                <a:chOff x="1277679" y="1013745"/>
+                <a:chExt cx="2519132" cy="1112524"/>
+              </a:xfrm>
+            </p:grpSpPr>
+            <p:sp>
+              <p:nvSpPr>
+                <p:cNvPr id="31" name="직사각형 30"/>
+                <p:cNvSpPr/>
+                <p:nvPr/>
+              </p:nvSpPr>
+              <p:spPr>
+                <a:xfrm>
+                  <a:off x="1277679" y="1255567"/>
+                  <a:ext cx="1159136" cy="654427"/>
+                </a:xfrm>
+                <a:prstGeom prst="rect">
+                  <a:avLst/>
+                </a:prstGeom>
+                <a:noFill/>
+              </p:spPr>
+              <p:txBody>
+                <a:bodyPr wrap="none" lIns="91440" tIns="45720" rIns="91440" bIns="45720">
+                  <a:spAutoFit/>
+                </a:bodyPr>
+                <a:lstStyle/>
+                <a:p>
+                  <a:pPr algn="ctr"/>
+                  <a:r>
+                    <a:rPr lang="ko-KR" altLang="en-US" sz="1400" dirty="0">
+                      <a:ln w="0"/>
+                      <a:effectLst>
+                        <a:outerShdw blurRad="38100" dist="19050" dir="2700000" algn="tl" rotWithShape="0">
+                          <a:schemeClr val="dk1">
+                            <a:alpha val="40000"/>
+                          </a:schemeClr>
+                        </a:outerShdw>
+                      </a:effectLst>
+                    </a:rPr>
+                    <a:t>체력</a:t>
+                  </a:r>
+                  <a:endParaRPr lang="en-US" altLang="ko-KR" sz="1400" dirty="0">
+                    <a:ln w="0"/>
+                    <a:effectLst>
+                      <a:outerShdw blurRad="38100" dist="19050" dir="2700000" algn="tl" rotWithShape="0">
+                        <a:schemeClr val="dk1">
+                          <a:alpha val="40000"/>
+                        </a:schemeClr>
+                      </a:outerShdw>
+                    </a:effectLst>
+                  </a:endParaRPr>
+                </a:p>
+              </p:txBody>
+            </p:sp>
+            <p:sp>
+              <p:nvSpPr>
+                <p:cNvPr id="32" name="직사각형 31"/>
+                <p:cNvSpPr/>
+                <p:nvPr/>
+              </p:nvSpPr>
+              <p:spPr>
+                <a:xfrm>
+                  <a:off x="2325461" y="1013745"/>
+                  <a:ext cx="1471350" cy="1112524"/>
+                </a:xfrm>
+                <a:prstGeom prst="rect">
+                  <a:avLst/>
+                </a:prstGeom>
+                <a:noFill/>
+              </p:spPr>
+              <p:txBody>
+                <a:bodyPr wrap="square" lIns="91440" tIns="45720" rIns="91440" bIns="45720">
+                  <a:spAutoFit/>
+                </a:bodyPr>
+                <a:lstStyle/>
+                <a:p>
+                  <a:pPr algn="ctr"/>
+                  <a:r>
+                    <a:rPr lang="en-US" altLang="ko-KR" sz="2800" b="1" dirty="0">
+                      <a:ln w="12700" cmpd="sng">
+                        <a:solidFill>
+                          <a:schemeClr val="accent4"/>
+                        </a:solidFill>
+                        <a:prstDash val="solid"/>
+                      </a:ln>
+                      <a:gradFill>
+                        <a:gsLst>
+                          <a:gs pos="0">
+                            <a:schemeClr val="accent4"/>
+                          </a:gs>
+                          <a:gs pos="4000">
+                            <a:schemeClr val="accent4">
+                              <a:lumMod val="60000"/>
+                              <a:lumOff val="40000"/>
+                            </a:schemeClr>
+                          </a:gs>
+                          <a:gs pos="87000">
+                            <a:schemeClr val="accent4">
+                              <a:lumMod val="20000"/>
+                              <a:lumOff val="80000"/>
+                            </a:schemeClr>
+                          </a:gs>
+                        </a:gsLst>
+                        <a:lin ang="5400000"/>
+                      </a:gradFill>
+                    </a:rPr>
+                    <a:t>Up</a:t>
+                  </a:r>
+                  <a:endParaRPr lang="en-US" altLang="ko-KR" sz="2800" b="1" cap="none" spc="0" dirty="0">
+                    <a:ln w="12700" cmpd="sng">
+                      <a:solidFill>
+                        <a:schemeClr val="accent4"/>
+                      </a:solidFill>
+                      <a:prstDash val="solid"/>
+                    </a:ln>
+                    <a:gradFill>
+                      <a:gsLst>
+                        <a:gs pos="0">
+                          <a:schemeClr val="accent4"/>
+                        </a:gs>
+                        <a:gs pos="4000">
+                          <a:schemeClr val="accent4">
+                            <a:lumMod val="60000"/>
+                            <a:lumOff val="40000"/>
+                          </a:schemeClr>
+                        </a:gs>
+                        <a:gs pos="87000">
+                          <a:schemeClr val="accent4">
+                            <a:lumMod val="20000"/>
+                            <a:lumOff val="80000"/>
+                          </a:schemeClr>
+                        </a:gs>
+                      </a:gsLst>
+                      <a:lin ang="5400000"/>
+                    </a:gradFill>
+                    <a:effectLst/>
+                  </a:endParaRPr>
+                </a:p>
+              </p:txBody>
+            </p:sp>
+          </p:grpSp>
+          <p:pic>
+            <p:nvPicPr>
+              <p:cNvPr id="30" name="그림 29"/>
+              <p:cNvPicPr>
+                <a:picLocks noChangeAspect="1"/>
+              </p:cNvPicPr>
+              <p:nvPr/>
+            </p:nvPicPr>
+            <p:blipFill>
+              <a:blip r:embed="rId4">
+                <a:extLst>
+                  <a:ext uri="{28A0092B-C50C-407E-A947-70E740481C1C}">
+                    <a14:useLocalDpi xmlns:a14="http://schemas.microsoft.com/office/drawing/2010/main" val="0"/>
+                  </a:ext>
+                </a:extLst>
+              </a:blip>
+              <a:stretch>
+                <a:fillRect/>
+              </a:stretch>
+            </p:blipFill>
+            <p:spPr>
+              <a:xfrm>
+                <a:off x="910977" y="-76730"/>
+                <a:ext cx="1085891" cy="1223538"/>
+              </a:xfrm>
+              <a:prstGeom prst="rect">
+                <a:avLst/>
+              </a:prstGeom>
+            </p:spPr>
+          </p:pic>
+        </p:grpSp>
+        <p:sp>
+          <p:nvSpPr>
+            <p:cNvPr id="25" name="TextBox 24"/>
+            <p:cNvSpPr txBox="1"/>
+            <p:nvPr/>
+          </p:nvSpPr>
+          <p:spPr>
+            <a:xfrm>
+              <a:off x="215109" y="856425"/>
+              <a:ext cx="1695622" cy="654427"/>
+            </a:xfrm>
+            <a:prstGeom prst="rect">
+              <a:avLst/>
+            </a:prstGeom>
+            <a:noFill/>
+          </p:spPr>
+          <p:txBody>
+            <a:bodyPr wrap="square" rtlCol="0">
+              <a:spAutoFit/>
+            </a:bodyPr>
+            <a:lstStyle/>
+            <a:p>
+              <a:r>
+                <a:rPr lang="en-US" altLang="ko-KR" sz="1400" i="1" dirty="0">
+                  <a:effectLst>
+                    <a:outerShdw blurRad="38100" dist="38100" dir="2700000" algn="tl">
+                      <a:srgbClr val="000000">
+                        <a:alpha val="43137"/>
+                      </a:srgbClr>
+                    </a:outerShdw>
+                  </a:effectLst>
+                </a:rPr>
+                <a:t>Hi-Pass</a:t>
+              </a:r>
+              <a:endParaRPr lang="ko-KR" altLang="en-US" sz="1400" i="1" dirty="0">
+                <a:effectLst>
+                  <a:outerShdw blurRad="38100" dist="38100" dir="2700000" algn="tl">
+                    <a:srgbClr val="000000">
+                      <a:alpha val="43137"/>
+                    </a:srgbClr>
+                  </a:outerShdw>
+                </a:effectLst>
+              </a:endParaRPr>
+            </a:p>
+          </p:txBody>
+        </p:sp>
+        <p:cxnSp>
+          <p:nvCxnSpPr>
+            <p:cNvPr id="26" name="직선 연결선 25"/>
+            <p:cNvCxnSpPr/>
+            <p:nvPr/>
+          </p:nvCxnSpPr>
+          <p:spPr>
+            <a:xfrm>
+              <a:off x="283776" y="437625"/>
+              <a:ext cx="1097763" cy="0"/>
+            </a:xfrm>
+            <a:prstGeom prst="line">
+              <a:avLst/>
+            </a:prstGeom>
+            <a:ln w="25400"/>
+          </p:spPr>
+          <p:style>
+            <a:lnRef idx="1">
+              <a:schemeClr val="accent1"/>
+            </a:lnRef>
+            <a:fillRef idx="0">
+              <a:schemeClr val="accent1"/>
+            </a:fillRef>
+            <a:effectRef idx="0">
+              <a:schemeClr val="accent1"/>
+            </a:effectRef>
+            <a:fontRef idx="minor">
+              <a:schemeClr val="tx1"/>
+            </a:fontRef>
+          </p:style>
+        </p:cxnSp>
+        <p:cxnSp>
+          <p:nvCxnSpPr>
+            <p:cNvPr id="27" name="직선 연결선 26"/>
+            <p:cNvCxnSpPr/>
+            <p:nvPr/>
+          </p:nvCxnSpPr>
+          <p:spPr>
+            <a:xfrm>
+              <a:off x="488724" y="632063"/>
+              <a:ext cx="1097763" cy="0"/>
+            </a:xfrm>
+            <a:prstGeom prst="line">
+              <a:avLst/>
+            </a:prstGeom>
+            <a:ln w="25400"/>
+          </p:spPr>
+          <p:style>
+            <a:lnRef idx="1">
+              <a:schemeClr val="accent1"/>
+            </a:lnRef>
+            <a:fillRef idx="0">
+              <a:schemeClr val="accent1"/>
+            </a:fillRef>
+            <a:effectRef idx="0">
+              <a:schemeClr val="accent1"/>
+            </a:effectRef>
+            <a:fontRef idx="minor">
+              <a:schemeClr val="tx1"/>
+            </a:fontRef>
+          </p:style>
+        </p:cxnSp>
+        <p:cxnSp>
+          <p:nvCxnSpPr>
+            <p:cNvPr id="28" name="직선 연결선 27"/>
+            <p:cNvCxnSpPr/>
+            <p:nvPr/>
+          </p:nvCxnSpPr>
+          <p:spPr>
+            <a:xfrm>
+              <a:off x="651641" y="826507"/>
+              <a:ext cx="1097763" cy="0"/>
+            </a:xfrm>
+            <a:prstGeom prst="line">
+              <a:avLst/>
+            </a:prstGeom>
+            <a:ln w="25400"/>
+          </p:spPr>
+          <p:style>
+            <a:lnRef idx="1">
+              <a:schemeClr val="accent1"/>
+            </a:lnRef>
+            <a:fillRef idx="0">
+              <a:schemeClr val="accent1"/>
+            </a:fillRef>
+            <a:effectRef idx="0">
+              <a:schemeClr val="accent1"/>
+            </a:effectRef>
+            <a:fontRef idx="minor">
+              <a:schemeClr val="tx1"/>
+            </a:fontRef>
+          </p:style>
+        </p:cxnSp>
+      </p:grpSp>
+      <p:sp>
+        <p:nvSpPr>
+          <p:cNvPr id="5" name="직사각형 4">
+            <a:extLst>
+              <a:ext uri="{FF2B5EF4-FFF2-40B4-BE49-F238E27FC236}">
+                <a16:creationId xmlns:a16="http://schemas.microsoft.com/office/drawing/2014/main" id="{ECADBA68-D8AE-4CA0-A352-36A5598FF4FA}"/>
+              </a:ext>
+            </a:extLst>
+          </p:cNvPr>
+          <p:cNvSpPr/>
+          <p:nvPr/>
+        </p:nvSpPr>
+        <p:spPr>
+          <a:xfrm>
+            <a:off x="12482" y="1823547"/>
+            <a:ext cx="2402244" cy="408168"/>
+          </a:xfrm>
+          <a:prstGeom prst="rect">
+            <a:avLst/>
+          </a:prstGeom>
+          <a:noFill/>
+        </p:spPr>
+        <p:style>
+          <a:lnRef idx="2">
+            <a:schemeClr val="accent1">
+              <a:shade val="50000"/>
+            </a:schemeClr>
+          </a:lnRef>
+          <a:fillRef idx="1">
+            <a:schemeClr val="accent1"/>
+          </a:fillRef>
+          <a:effectRef idx="0">
+            <a:schemeClr val="accent1"/>
+          </a:effectRef>
+          <a:fontRef idx="minor">
+            <a:schemeClr val="lt1"/>
+          </a:fontRef>
+        </p:style>
+        <p:txBody>
+          <a:bodyPr rtlCol="0" anchor="ctr"/>
+          <a:lstStyle/>
+          <a:p>
+            <a:pPr algn="ctr"/>
+            <a:r>
+              <a:rPr lang="en-US" altLang="ko-KR" sz="1600" dirty="0">
+                <a:solidFill>
+                  <a:schemeClr val="tx1"/>
+                </a:solidFill>
+                <a:effectLst>
+                  <a:outerShdw blurRad="38100" dist="38100" dir="2700000" algn="tl">
+                    <a:srgbClr val="000000">
+                      <a:alpha val="43137"/>
+                    </a:srgbClr>
+                  </a:outerShdw>
+                </a:effectLst>
+              </a:rPr>
+              <a:t>1</a:t>
+            </a:r>
+            <a:r>
+              <a:rPr lang="ko-KR" altLang="en-US" sz="1600" dirty="0">
+                <a:solidFill>
+                  <a:schemeClr val="tx1"/>
+                </a:solidFill>
+                <a:effectLst>
+                  <a:outerShdw blurRad="38100" dist="38100" dir="2700000" algn="tl">
+                    <a:srgbClr val="000000">
+                      <a:alpha val="43137"/>
+                    </a:srgbClr>
+                  </a:outerShdw>
+                </a:effectLst>
+              </a:rPr>
+              <a:t>학년 </a:t>
+            </a:r>
+            <a:r>
+              <a:rPr lang="en-US" altLang="ko-KR" sz="1600" dirty="0">
+                <a:solidFill>
+                  <a:schemeClr val="tx1"/>
+                </a:solidFill>
+                <a:effectLst>
+                  <a:outerShdw blurRad="38100" dist="38100" dir="2700000" algn="tl">
+                    <a:srgbClr val="000000">
+                      <a:alpha val="43137"/>
+                    </a:srgbClr>
+                  </a:outerShdw>
+                </a:effectLst>
+              </a:rPr>
+              <a:t>1</a:t>
+            </a:r>
+            <a:r>
+              <a:rPr lang="ko-KR" altLang="en-US" sz="1600" dirty="0">
+                <a:solidFill>
+                  <a:schemeClr val="tx1"/>
+                </a:solidFill>
+                <a:effectLst>
+                  <a:outerShdw blurRad="38100" dist="38100" dir="2700000" algn="tl">
+                    <a:srgbClr val="000000">
+                      <a:alpha val="43137"/>
+                    </a:srgbClr>
+                  </a:outerShdw>
+                </a:effectLst>
+              </a:rPr>
+              <a:t>반 </a:t>
+            </a:r>
+            <a:r>
+              <a:rPr lang="ko-KR" altLang="en-US" sz="1600" dirty="0" err="1">
+                <a:solidFill>
+                  <a:schemeClr val="tx1"/>
+                </a:solidFill>
+                <a:effectLst>
+                  <a:outerShdw blurRad="38100" dist="38100" dir="2700000" algn="tl">
+                    <a:srgbClr val="000000">
+                      <a:alpha val="43137"/>
+                    </a:srgbClr>
+                  </a:outerShdw>
+                </a:effectLst>
+              </a:rPr>
+              <a:t>가가가</a:t>
+            </a:r>
+            <a:r>
+              <a:rPr lang="ko-KR" altLang="en-US" sz="1600" dirty="0">
+                <a:solidFill>
+                  <a:schemeClr val="tx1"/>
+                </a:solidFill>
+                <a:effectLst>
+                  <a:outerShdw blurRad="38100" dist="38100" dir="2700000" algn="tl">
+                    <a:srgbClr val="000000">
+                      <a:alpha val="43137"/>
+                    </a:srgbClr>
+                  </a:outerShdw>
+                </a:effectLst>
+              </a:rPr>
+              <a:t> </a:t>
+            </a:r>
+            <a:r>
+              <a:rPr lang="en-US" altLang="ko-KR" sz="1600" dirty="0">
+                <a:solidFill>
+                  <a:schemeClr val="tx1"/>
+                </a:solidFill>
+                <a:effectLst>
+                  <a:outerShdw blurRad="38100" dist="38100" dir="2700000" algn="tl">
+                    <a:srgbClr val="000000">
+                      <a:alpha val="43137"/>
+                    </a:srgbClr>
+                  </a:outerShdw>
+                </a:effectLst>
+              </a:rPr>
+              <a:t>(</a:t>
+            </a:r>
+            <a:r>
+              <a:rPr lang="ko-KR" altLang="en-US" sz="1600" dirty="0">
+                <a:solidFill>
+                  <a:schemeClr val="tx1"/>
+                </a:solidFill>
+                <a:effectLst>
+                  <a:outerShdw blurRad="38100" dist="38100" dir="2700000" algn="tl">
+                    <a:srgbClr val="000000">
+                      <a:alpha val="43137"/>
+                    </a:srgbClr>
+                  </a:outerShdw>
+                </a:effectLst>
+              </a:rPr>
+              <a:t>남자</a:t>
+            </a:r>
+            <a:r>
+              <a:rPr lang="en-US" altLang="ko-KR" sz="1600" dirty="0">
+                <a:solidFill>
+                  <a:schemeClr val="tx1"/>
+                </a:solidFill>
+                <a:effectLst>
+                  <a:outerShdw blurRad="38100" dist="38100" dir="2700000" algn="tl">
+                    <a:srgbClr val="000000">
+                      <a:alpha val="43137"/>
+                    </a:srgbClr>
+                  </a:outerShdw>
+                </a:effectLst>
+              </a:rPr>
+              <a:t>)</a:t>
+            </a:r>
+            <a:endParaRPr lang="ko-KR" altLang="en-US" sz="1600" dirty="0">
+              <a:solidFill>
+                <a:schemeClr val="tx1"/>
+              </a:solidFill>
+              <a:effectLst>
+                <a:outerShdw blurRad="38100" dist="38100" dir="2700000" algn="tl">
+                  <a:srgbClr val="000000">
+                    <a:alpha val="43137"/>
+                  </a:srgbClr>
+                </a:outerShdw>
+              </a:effectLst>
+            </a:endParaRPr>
+          </a:p>
+        </p:txBody>
+      </p:sp>
+      <p:sp>
+        <p:nvSpPr>
+          <p:cNvPr id="46" name="직사각형 45">
+            <a:extLst>
+              <a:ext uri="{FF2B5EF4-FFF2-40B4-BE49-F238E27FC236}">
+                <a16:creationId xmlns:a16="http://schemas.microsoft.com/office/drawing/2014/main" id="{3E5CFCEE-2E05-4C50-90F1-93DA0A9A65C4}"/>
+              </a:ext>
+            </a:extLst>
+          </p:cNvPr>
+          <p:cNvSpPr/>
+          <p:nvPr/>
+        </p:nvSpPr>
+        <p:spPr>
+          <a:xfrm>
+            <a:off x="2666974" y="1805374"/>
+            <a:ext cx="1849611" cy="444513"/>
+          </a:xfrm>
+          <a:prstGeom prst="rect">
+            <a:avLst/>
+          </a:prstGeom>
+        </p:spPr>
+        <p:style>
+          <a:lnRef idx="2">
+            <a:schemeClr val="accent1">
+              <a:shade val="50000"/>
+            </a:schemeClr>
+          </a:lnRef>
+          <a:fillRef idx="1">
+            <a:schemeClr val="accent1"/>
+          </a:fillRef>
+          <a:effectRef idx="0">
+            <a:schemeClr val="accent1"/>
+          </a:effectRef>
+          <a:fontRef idx="minor">
+            <a:schemeClr val="lt1"/>
+          </a:fontRef>
+        </p:style>
+        <p:txBody>
+          <a:bodyPr rtlCol="0" anchor="ctr"/>
+          <a:lstStyle/>
+          <a:p>
+            <a:pPr algn="ctr"/>
+            <a:r>
+              <a:rPr lang="ko-KR" altLang="en-US"/>
+              <a:t>윗몸말아올리기</a:t>
+            </a:r>
+            <a:endParaRPr lang="ko-KR" altLang="en-US" sz="1400" dirty="0"/>
+          </a:p>
+        </p:txBody>
+      </p:sp>
+      <p:sp>
+        <p:nvSpPr>
+          <p:cNvPr id="2" name="직사각형 1">
+            <a:hlinkClick r:id="rId5" action="ppaction://hlinksldjump"/>
+            <a:extLst>
+              <a:ext uri="{FF2B5EF4-FFF2-40B4-BE49-F238E27FC236}">
+                <a16:creationId xmlns:a16="http://schemas.microsoft.com/office/drawing/2014/main" id="{172786AA-FFBB-424A-BD3C-0580F3598F61}"/>
+              </a:ext>
+            </a:extLst>
+          </p:cNvPr>
+          <p:cNvSpPr/>
+          <p:nvPr/>
+        </p:nvSpPr>
+        <p:spPr>
+          <a:xfrm>
+            <a:off x="215109" y="2585545"/>
+            <a:ext cx="4301477" cy="735724"/>
+          </a:xfrm>
+          <a:prstGeom prst="rect">
+            <a:avLst/>
+          </a:prstGeom>
+        </p:spPr>
+        <p:style>
+          <a:lnRef idx="2">
+            <a:schemeClr val="accent1">
+              <a:shade val="50000"/>
+            </a:schemeClr>
+          </a:lnRef>
+          <a:fillRef idx="1">
+            <a:schemeClr val="accent1"/>
+          </a:fillRef>
+          <a:effectRef idx="0">
+            <a:schemeClr val="accent1"/>
+          </a:effectRef>
+          <a:fontRef idx="minor">
+            <a:schemeClr val="lt1"/>
+          </a:fontRef>
+        </p:style>
+        <p:txBody>
+          <a:bodyPr rtlCol="0" anchor="ctr"/>
+          <a:lstStyle/>
+          <a:p>
+            <a:pPr algn="ctr"/>
+            <a:r>
+              <a:rPr lang="en-US" altLang="ko-KR" dirty="0"/>
+              <a:t>2017</a:t>
+            </a:r>
+            <a:r>
+              <a:rPr lang="ko-KR" altLang="en-US" dirty="0"/>
+              <a:t>년 </a:t>
+            </a:r>
+            <a:r>
+              <a:rPr lang="en-US" altLang="ko-KR" dirty="0"/>
+              <a:t>07</a:t>
+            </a:r>
+            <a:r>
+              <a:rPr lang="ko-KR" altLang="en-US" dirty="0"/>
+              <a:t>월 </a:t>
+            </a:r>
+            <a:r>
+              <a:rPr lang="en-US" altLang="ko-KR" dirty="0"/>
+              <a:t>05</a:t>
+            </a:r>
+            <a:r>
+              <a:rPr lang="ko-KR" altLang="en-US" dirty="0"/>
+              <a:t>일 </a:t>
+            </a:r>
+            <a:r>
+              <a:rPr lang="en-US" altLang="ko-KR" dirty="0"/>
+              <a:t>02</a:t>
+            </a:r>
+            <a:r>
+              <a:rPr lang="ko-KR" altLang="en-US" dirty="0"/>
+              <a:t>시  </a:t>
+            </a:r>
+            <a:r>
+              <a:rPr lang="en-US" altLang="ko-KR" dirty="0"/>
+              <a:t>: 62</a:t>
+            </a:r>
+            <a:r>
+              <a:rPr lang="ko-KR" altLang="en-US" dirty="0"/>
+              <a:t>회</a:t>
+            </a:r>
+          </a:p>
+        </p:txBody>
+      </p:sp>
+      <p:sp>
+        <p:nvSpPr>
+          <p:cNvPr id="33" name="직사각형 32">
+            <a:extLst>
+              <a:ext uri="{FF2B5EF4-FFF2-40B4-BE49-F238E27FC236}">
+                <a16:creationId xmlns:a16="http://schemas.microsoft.com/office/drawing/2014/main" id="{51A50144-0E67-4167-86FF-E2C55FBEFE85}"/>
+              </a:ext>
+            </a:extLst>
+          </p:cNvPr>
+          <p:cNvSpPr/>
+          <p:nvPr/>
+        </p:nvSpPr>
+        <p:spPr>
+          <a:xfrm>
+            <a:off x="215109" y="3424519"/>
+            <a:ext cx="4301477" cy="735724"/>
+          </a:xfrm>
+          <a:prstGeom prst="rect">
+            <a:avLst/>
+          </a:prstGeom>
+        </p:spPr>
+        <p:style>
+          <a:lnRef idx="2">
+            <a:schemeClr val="accent1">
+              <a:shade val="50000"/>
+            </a:schemeClr>
+          </a:lnRef>
+          <a:fillRef idx="1">
+            <a:schemeClr val="accent1"/>
+          </a:fillRef>
+          <a:effectRef idx="0">
+            <a:schemeClr val="accent1"/>
+          </a:effectRef>
+          <a:fontRef idx="minor">
+            <a:schemeClr val="lt1"/>
+          </a:fontRef>
+        </p:style>
+        <p:txBody>
+          <a:bodyPr rtlCol="0" anchor="ctr"/>
+          <a:lstStyle/>
+          <a:p>
+            <a:pPr algn="ctr"/>
+            <a:r>
+              <a:rPr lang="en-US" altLang="ko-KR" dirty="0"/>
+              <a:t>2017</a:t>
+            </a:r>
+            <a:r>
+              <a:rPr lang="ko-KR" altLang="en-US" dirty="0"/>
+              <a:t>년 </a:t>
+            </a:r>
+            <a:r>
+              <a:rPr lang="en-US" altLang="ko-KR" dirty="0"/>
+              <a:t>07</a:t>
+            </a:r>
+            <a:r>
+              <a:rPr lang="ko-KR" altLang="en-US" dirty="0"/>
+              <a:t>월 </a:t>
+            </a:r>
+            <a:r>
+              <a:rPr lang="en-US" altLang="ko-KR" dirty="0"/>
+              <a:t>06</a:t>
+            </a:r>
+            <a:r>
+              <a:rPr lang="ko-KR" altLang="en-US" dirty="0"/>
+              <a:t>일 </a:t>
+            </a:r>
+            <a:r>
+              <a:rPr lang="en-US" altLang="ko-KR" dirty="0"/>
+              <a:t>04</a:t>
+            </a:r>
+            <a:r>
+              <a:rPr lang="ko-KR" altLang="en-US" dirty="0"/>
+              <a:t>시  </a:t>
+            </a:r>
+            <a:r>
+              <a:rPr lang="en-US" altLang="ko-KR" dirty="0"/>
+              <a:t>: 49</a:t>
+            </a:r>
+            <a:r>
+              <a:rPr lang="ko-KR" altLang="en-US" dirty="0"/>
+              <a:t>회</a:t>
+            </a:r>
+          </a:p>
+        </p:txBody>
+      </p:sp>
+      <p:sp>
+        <p:nvSpPr>
+          <p:cNvPr id="34" name="직사각형 33">
+            <a:extLst>
+              <a:ext uri="{FF2B5EF4-FFF2-40B4-BE49-F238E27FC236}">
+                <a16:creationId xmlns:a16="http://schemas.microsoft.com/office/drawing/2014/main" id="{39D05E83-8806-45C5-9BAE-3288F234A208}"/>
+              </a:ext>
+            </a:extLst>
+          </p:cNvPr>
+          <p:cNvSpPr/>
+          <p:nvPr/>
+        </p:nvSpPr>
+        <p:spPr>
+          <a:xfrm>
+            <a:off x="215109" y="5119781"/>
+            <a:ext cx="4301477" cy="735724"/>
+          </a:xfrm>
+          <a:prstGeom prst="rect">
+            <a:avLst/>
+          </a:prstGeom>
+        </p:spPr>
+        <p:style>
+          <a:lnRef idx="2">
+            <a:schemeClr val="accent1">
+              <a:shade val="50000"/>
+            </a:schemeClr>
+          </a:lnRef>
+          <a:fillRef idx="1">
+            <a:schemeClr val="accent1"/>
+          </a:fillRef>
+          <a:effectRef idx="0">
+            <a:schemeClr val="accent1"/>
+          </a:effectRef>
+          <a:fontRef idx="minor">
+            <a:schemeClr val="lt1"/>
+          </a:fontRef>
+        </p:style>
+        <p:txBody>
+          <a:bodyPr rtlCol="0" anchor="ctr"/>
+          <a:lstStyle/>
+          <a:p>
+            <a:pPr algn="ctr"/>
+            <a:r>
+              <a:rPr lang="en-US" altLang="ko-KR" dirty="0"/>
+              <a:t>2017</a:t>
+            </a:r>
+            <a:r>
+              <a:rPr lang="ko-KR" altLang="en-US" dirty="0"/>
+              <a:t>년 </a:t>
+            </a:r>
+            <a:r>
+              <a:rPr lang="en-US" altLang="ko-KR" dirty="0"/>
+              <a:t>07</a:t>
+            </a:r>
+            <a:r>
+              <a:rPr lang="ko-KR" altLang="en-US" dirty="0"/>
+              <a:t>월 </a:t>
+            </a:r>
+            <a:r>
+              <a:rPr lang="en-US" altLang="ko-KR" dirty="0"/>
+              <a:t>08</a:t>
+            </a:r>
+            <a:r>
+              <a:rPr lang="ko-KR" altLang="en-US" dirty="0"/>
+              <a:t>일 </a:t>
+            </a:r>
+            <a:r>
+              <a:rPr lang="en-US" altLang="ko-KR" dirty="0"/>
+              <a:t>02</a:t>
+            </a:r>
+            <a:r>
+              <a:rPr lang="ko-KR" altLang="en-US" dirty="0"/>
+              <a:t>시  </a:t>
+            </a:r>
+            <a:r>
+              <a:rPr lang="en-US" altLang="ko-KR" dirty="0"/>
+              <a:t>: 70</a:t>
+            </a:r>
+            <a:r>
+              <a:rPr lang="ko-KR" altLang="en-US" dirty="0"/>
+              <a:t>회</a:t>
+            </a:r>
+          </a:p>
+        </p:txBody>
+      </p:sp>
+      <p:sp>
+        <p:nvSpPr>
+          <p:cNvPr id="35" name="직사각형 34">
+            <a:extLst>
+              <a:ext uri="{FF2B5EF4-FFF2-40B4-BE49-F238E27FC236}">
+                <a16:creationId xmlns:a16="http://schemas.microsoft.com/office/drawing/2014/main" id="{5736E9A1-9DB8-4688-8EE6-D8737167E6EA}"/>
+              </a:ext>
+            </a:extLst>
+          </p:cNvPr>
+          <p:cNvSpPr/>
+          <p:nvPr/>
+        </p:nvSpPr>
+        <p:spPr>
+          <a:xfrm>
+            <a:off x="215109" y="4263493"/>
+            <a:ext cx="4301477" cy="735724"/>
+          </a:xfrm>
+          <a:prstGeom prst="rect">
+            <a:avLst/>
+          </a:prstGeom>
+        </p:spPr>
+        <p:style>
+          <a:lnRef idx="2">
+            <a:schemeClr val="accent1">
+              <a:shade val="50000"/>
+            </a:schemeClr>
+          </a:lnRef>
+          <a:fillRef idx="1">
+            <a:schemeClr val="accent1"/>
+          </a:fillRef>
+          <a:effectRef idx="0">
+            <a:schemeClr val="accent1"/>
+          </a:effectRef>
+          <a:fontRef idx="minor">
+            <a:schemeClr val="lt1"/>
+          </a:fontRef>
+        </p:style>
+        <p:txBody>
+          <a:bodyPr rtlCol="0" anchor="ctr"/>
+          <a:lstStyle/>
+          <a:p>
+            <a:pPr algn="ctr"/>
+            <a:r>
+              <a:rPr lang="en-US" altLang="ko-KR" dirty="0"/>
+              <a:t>2017</a:t>
+            </a:r>
+            <a:r>
+              <a:rPr lang="ko-KR" altLang="en-US" dirty="0"/>
+              <a:t>년 </a:t>
+            </a:r>
+            <a:r>
+              <a:rPr lang="en-US" altLang="ko-KR" dirty="0"/>
+              <a:t>07</a:t>
+            </a:r>
+            <a:r>
+              <a:rPr lang="ko-KR" altLang="en-US" dirty="0"/>
+              <a:t>월 </a:t>
+            </a:r>
+            <a:r>
+              <a:rPr lang="en-US" altLang="ko-KR" dirty="0"/>
+              <a:t>07</a:t>
+            </a:r>
+            <a:r>
+              <a:rPr lang="ko-KR" altLang="en-US" dirty="0"/>
+              <a:t>일 </a:t>
+            </a:r>
+            <a:r>
+              <a:rPr lang="en-US" altLang="ko-KR" dirty="0"/>
+              <a:t>15</a:t>
+            </a:r>
+            <a:r>
+              <a:rPr lang="ko-KR" altLang="en-US" dirty="0"/>
+              <a:t>시  </a:t>
+            </a:r>
+            <a:r>
+              <a:rPr lang="en-US" altLang="ko-KR" dirty="0"/>
+              <a:t>: 56</a:t>
+            </a:r>
+            <a:r>
+              <a:rPr lang="ko-KR" altLang="en-US" dirty="0"/>
+              <a:t>회</a:t>
+            </a:r>
+          </a:p>
+        </p:txBody>
+      </p:sp>
+      <p:sp>
+        <p:nvSpPr>
+          <p:cNvPr id="36" name="직사각형 35">
+            <a:extLst>
+              <a:ext uri="{FF2B5EF4-FFF2-40B4-BE49-F238E27FC236}">
+                <a16:creationId xmlns:a16="http://schemas.microsoft.com/office/drawing/2014/main" id="{5204EE5C-7BFA-48C8-8CFE-F357915161E5}"/>
+              </a:ext>
+            </a:extLst>
+          </p:cNvPr>
+          <p:cNvSpPr/>
+          <p:nvPr/>
+        </p:nvSpPr>
+        <p:spPr>
+          <a:xfrm>
+            <a:off x="3647090" y="5953593"/>
+            <a:ext cx="869496" cy="735724"/>
+          </a:xfrm>
+          <a:prstGeom prst="rect">
+            <a:avLst/>
+          </a:prstGeom>
+        </p:spPr>
+        <p:style>
+          <a:lnRef idx="2">
+            <a:schemeClr val="accent1">
+              <a:shade val="50000"/>
+            </a:schemeClr>
+          </a:lnRef>
+          <a:fillRef idx="1">
+            <a:schemeClr val="accent1"/>
+          </a:fillRef>
+          <a:effectRef idx="0">
+            <a:schemeClr val="accent1"/>
+          </a:effectRef>
+          <a:fontRef idx="minor">
+            <a:schemeClr val="lt1"/>
+          </a:fontRef>
+        </p:style>
+        <p:txBody>
+          <a:bodyPr rtlCol="0" anchor="ctr"/>
+          <a:lstStyle/>
+          <a:p>
+            <a:pPr algn="ctr"/>
+            <a:r>
+              <a:rPr lang="ko-KR" altLang="en-US"/>
+              <a:t>삭제</a:t>
+            </a:r>
+            <a:endParaRPr lang="ko-KR" altLang="en-US" dirty="0"/>
+          </a:p>
+        </p:txBody>
+      </p:sp>
+      <p:sp>
+        <p:nvSpPr>
+          <p:cNvPr id="38" name="직사각형 37">
+            <a:extLst>
+              <a:ext uri="{FF2B5EF4-FFF2-40B4-BE49-F238E27FC236}">
+                <a16:creationId xmlns:a16="http://schemas.microsoft.com/office/drawing/2014/main" id="{6CD97E48-79BD-449F-BE77-5C75E1A7AE54}"/>
+              </a:ext>
+            </a:extLst>
+          </p:cNvPr>
+          <p:cNvSpPr/>
+          <p:nvPr/>
+        </p:nvSpPr>
+        <p:spPr>
+          <a:xfrm>
+            <a:off x="159125" y="1120746"/>
+            <a:ext cx="4540025" cy="584775"/>
+          </a:xfrm>
+          <a:prstGeom prst="rect">
+            <a:avLst/>
+          </a:prstGeom>
+          <a:noFill/>
+        </p:spPr>
+        <p:txBody>
+          <a:bodyPr wrap="none" lIns="91440" tIns="45720" rIns="91440" bIns="45720">
+            <a:spAutoFit/>
+          </a:bodyPr>
+          <a:lstStyle/>
+          <a:p>
+            <a:pPr algn="ctr"/>
+            <a:r>
+              <a:rPr lang="ko-KR" altLang="en-US" sz="3200" b="1" dirty="0">
+                <a:ln w="13462">
+                  <a:solidFill>
+                    <a:schemeClr val="bg1"/>
+                  </a:solidFill>
+                  <a:prstDash val="solid"/>
+                </a:ln>
+                <a:solidFill>
+                  <a:schemeClr val="tx1">
+                    <a:lumMod val="85000"/>
+                    <a:lumOff val="15000"/>
+                  </a:schemeClr>
+                </a:solidFill>
+                <a:effectLst>
+                  <a:outerShdw dist="38100" dir="2700000" algn="bl" rotWithShape="0">
+                    <a:schemeClr val="accent5"/>
+                  </a:outerShdw>
+                </a:effectLst>
+              </a:rPr>
+              <a:t>학생관리 근력</a:t>
+            </a:r>
+            <a:r>
+              <a:rPr lang="en-US" altLang="ko-KR" sz="3200" b="1" dirty="0">
+                <a:ln w="13462">
+                  <a:solidFill>
+                    <a:schemeClr val="bg1"/>
+                  </a:solidFill>
+                  <a:prstDash val="solid"/>
+                </a:ln>
+                <a:solidFill>
+                  <a:schemeClr val="tx1">
+                    <a:lumMod val="85000"/>
+                    <a:lumOff val="15000"/>
+                  </a:schemeClr>
+                </a:solidFill>
+                <a:effectLst>
+                  <a:outerShdw dist="38100" dir="2700000" algn="bl" rotWithShape="0">
+                    <a:schemeClr val="accent5"/>
+                  </a:outerShdw>
+                </a:effectLst>
+              </a:rPr>
+              <a:t>,</a:t>
+            </a:r>
+            <a:r>
+              <a:rPr lang="ko-KR" altLang="en-US" sz="3200" b="1" dirty="0">
+                <a:ln w="13462">
+                  <a:solidFill>
+                    <a:schemeClr val="bg1"/>
+                  </a:solidFill>
+                  <a:prstDash val="solid"/>
+                </a:ln>
+                <a:solidFill>
+                  <a:schemeClr val="tx1">
+                    <a:lumMod val="85000"/>
+                    <a:lumOff val="15000"/>
+                  </a:schemeClr>
+                </a:solidFill>
+                <a:effectLst>
+                  <a:outerShdw dist="38100" dir="2700000" algn="bl" rotWithShape="0">
+                    <a:schemeClr val="accent5"/>
+                  </a:outerShdw>
+                </a:effectLst>
+              </a:rPr>
+              <a:t>근지구력</a:t>
+            </a:r>
+            <a:endParaRPr lang="en-US" altLang="ko-KR" sz="3200" b="0" cap="none" spc="0" dirty="0">
+              <a:ln w="0"/>
+              <a:solidFill>
+                <a:schemeClr val="tx1"/>
+              </a:solidFill>
+              <a:effectLst>
+                <a:outerShdw blurRad="38100" dist="19050" dir="2700000" algn="tl" rotWithShape="0">
+                  <a:schemeClr val="dk1">
+                    <a:alpha val="40000"/>
+                  </a:schemeClr>
+                </a:outerShdw>
+              </a:effectLst>
+            </a:endParaRPr>
+          </a:p>
+        </p:txBody>
+      </p:sp>
+    </p:spTree>
+    <p:extLst>
+      <p:ext uri="{BB962C8B-B14F-4D97-AF65-F5344CB8AC3E}">
+        <p14:creationId xmlns:p14="http://schemas.microsoft.com/office/powerpoint/2010/main" val="1139911208"/>
+      </p:ext>
+    </p:extLst>
+  </p:cSld>
+  <p:clrMapOvr>
+    <a:masterClrMapping/>
+  </p:clrMapOvr>
+</p:sld>
+</file>
+
+<file path=ppt/slides/slide21.xml><?xml version="1.0" encoding="utf-8"?>
+<p:sld xmlns:a="http://schemas.openxmlformats.org/drawingml/2006/main" xmlns:r="http://schemas.openxmlformats.org/officeDocument/2006/relationships" xmlns:p="http://schemas.openxmlformats.org/presentationml/2006/main">
+  <p:cSld>
+    <p:spTree>
+      <p:nvGrpSpPr>
+        <p:cNvPr id="1" name=""/>
+        <p:cNvGrpSpPr/>
+        <p:nvPr/>
+      </p:nvGrpSpPr>
+      <p:grpSpPr>
+        <a:xfrm>
+          <a:off x="0" y="0"/>
+          <a:ext cx="0" cy="0"/>
+          <a:chOff x="0" y="0"/>
+          <a:chExt cx="0" cy="0"/>
+        </a:xfrm>
+      </p:grpSpPr>
+      <p:sp>
+        <p:nvSpPr>
+          <p:cNvPr id="4" name="직사각형 3"/>
+          <p:cNvSpPr/>
+          <p:nvPr/>
+        </p:nvSpPr>
+        <p:spPr>
+          <a:xfrm>
+            <a:off x="-48284" y="0"/>
+            <a:ext cx="4829452" cy="6858000"/>
+          </a:xfrm>
+          <a:prstGeom prst="rect">
+            <a:avLst/>
+          </a:prstGeom>
+          <a:ln w="57150"/>
+        </p:spPr>
+        <p:style>
+          <a:lnRef idx="2">
+            <a:schemeClr val="dk1"/>
+          </a:lnRef>
+          <a:fillRef idx="1">
+            <a:schemeClr val="lt1"/>
+          </a:fillRef>
+          <a:effectRef idx="0">
+            <a:schemeClr val="dk1"/>
+          </a:effectRef>
+          <a:fontRef idx="minor">
+            <a:schemeClr val="dk1"/>
+          </a:fontRef>
+        </p:style>
+        <p:txBody>
+          <a:bodyPr rtlCol="0" anchor="ctr"/>
+          <a:lstStyle/>
+          <a:p>
+            <a:pPr algn="ctr"/>
+            <a:endParaRPr lang="ko-KR" altLang="en-US" dirty="0"/>
+          </a:p>
+        </p:txBody>
+      </p:sp>
+      <p:grpSp>
+        <p:nvGrpSpPr>
+          <p:cNvPr id="23" name="그룹 22"/>
+          <p:cNvGrpSpPr/>
+          <p:nvPr/>
+        </p:nvGrpSpPr>
+        <p:grpSpPr>
+          <a:xfrm>
+            <a:off x="2640395" y="472455"/>
+            <a:ext cx="1876191" cy="523211"/>
+            <a:chOff x="2640395" y="472455"/>
+            <a:chExt cx="1876191" cy="523211"/>
+          </a:xfrm>
+        </p:grpSpPr>
+        <p:sp>
+          <p:nvSpPr>
+            <p:cNvPr id="3" name="직사각형 2">
+              <a:hlinkClick r:id="rId2" action="ppaction://hlinksldjump"/>
+            </p:cNvPr>
+            <p:cNvSpPr/>
+            <p:nvPr/>
+          </p:nvSpPr>
+          <p:spPr>
+            <a:xfrm>
+              <a:off x="2640395" y="595556"/>
+              <a:ext cx="1563326" cy="400110"/>
+            </a:xfrm>
+            <a:prstGeom prst="rect">
+              <a:avLst/>
+            </a:prstGeom>
+            <a:noFill/>
+          </p:spPr>
+          <p:txBody>
+            <a:bodyPr wrap="square" lIns="91440" tIns="45720" rIns="91440" bIns="45720">
+              <a:spAutoFit/>
+            </a:bodyPr>
+            <a:lstStyle/>
+            <a:p>
+              <a:pPr algn="ctr"/>
+              <a:r>
+                <a:rPr lang="ko-KR" altLang="en-US" sz="2000" b="1" cap="none" spc="0" dirty="0">
+                  <a:ln w="22225">
+                    <a:solidFill>
+                      <a:schemeClr val="accent2"/>
+                    </a:solidFill>
+                    <a:prstDash val="solid"/>
+                  </a:ln>
+                  <a:solidFill>
+                    <a:schemeClr val="accent2">
+                      <a:lumMod val="40000"/>
+                      <a:lumOff val="60000"/>
+                    </a:schemeClr>
+                  </a:solidFill>
+                  <a:effectLst/>
+                </a:rPr>
+                <a:t>선생님 </a:t>
+              </a:r>
+              <a:r>
+                <a:rPr lang="en-US" altLang="ko-KR" sz="2000" b="1" cap="none" spc="0" dirty="0" err="1">
+                  <a:ln w="22225">
+                    <a:solidFill>
+                      <a:schemeClr val="accent2"/>
+                    </a:solidFill>
+                    <a:prstDash val="solid"/>
+                  </a:ln>
+                  <a:solidFill>
+                    <a:schemeClr val="accent2">
+                      <a:lumMod val="40000"/>
+                      <a:lumOff val="60000"/>
+                    </a:schemeClr>
+                  </a:solidFill>
+                  <a:effectLst/>
+                </a:rPr>
+                <a:t>ver</a:t>
+              </a:r>
+              <a:endParaRPr lang="en-US" altLang="ko-KR" sz="2000" b="1" cap="none" spc="0" dirty="0">
+                <a:ln w="22225">
+                  <a:solidFill>
+                    <a:schemeClr val="accent2"/>
+                  </a:solidFill>
+                  <a:prstDash val="solid"/>
+                </a:ln>
+                <a:solidFill>
+                  <a:schemeClr val="accent2">
+                    <a:lumMod val="40000"/>
+                    <a:lumOff val="60000"/>
+                  </a:schemeClr>
+                </a:solidFill>
+                <a:effectLst/>
+              </a:endParaRPr>
+            </a:p>
+          </p:txBody>
+        </p:sp>
+        <p:pic>
+          <p:nvPicPr>
+            <p:cNvPr id="18" name="그림 17">
+              <a:hlinkClick r:id="rId2" action="ppaction://hlinksldjump"/>
+            </p:cNvPr>
+            <p:cNvPicPr>
+              <a:picLocks noChangeAspect="1"/>
+            </p:cNvPicPr>
+            <p:nvPr/>
+          </p:nvPicPr>
+          <p:blipFill>
+            <a:blip r:embed="rId3">
+              <a:extLst>
+                <a:ext uri="{28A0092B-C50C-407E-A947-70E740481C1C}">
+                  <a14:useLocalDpi xmlns:a14="http://schemas.microsoft.com/office/drawing/2010/main" val="0"/>
+                </a:ext>
+              </a:extLst>
+            </a:blip>
+            <a:stretch>
+              <a:fillRect/>
+            </a:stretch>
+          </p:blipFill>
+          <p:spPr>
+            <a:xfrm>
+              <a:off x="4085851" y="472455"/>
+              <a:ext cx="430735" cy="407528"/>
+            </a:xfrm>
+            <a:prstGeom prst="rect">
+              <a:avLst/>
+            </a:prstGeom>
+          </p:spPr>
+        </p:pic>
+      </p:grpSp>
+      <p:sp>
+        <p:nvSpPr>
+          <p:cNvPr id="24" name="TextBox 23"/>
+          <p:cNvSpPr txBox="1"/>
+          <p:nvPr/>
+        </p:nvSpPr>
+        <p:spPr>
+          <a:xfrm>
+            <a:off x="5029200" y="386080"/>
             <a:ext cx="6725920" cy="923330"/>
           </a:xfrm>
           <a:prstGeom prst="rect">
@@ -22597,7 +24157,7 @@
 </p:sld>
 </file>
 
-<file path=ppt/slides/slide21.xml><?xml version="1.0" encoding="utf-8"?>
+<file path=ppt/slides/slide22.xml><?xml version="1.0" encoding="utf-8"?>
 <p:sld xmlns:a="http://schemas.openxmlformats.org/drawingml/2006/main" xmlns:r="http://schemas.openxmlformats.org/officeDocument/2006/relationships" xmlns:p="http://schemas.openxmlformats.org/presentationml/2006/main">
   <p:cSld>
     <p:spTree>
@@ -23862,7 +25422,7 @@
 </p:sld>
 </file>
 
-<file path=ppt/slides/slide22.xml><?xml version="1.0" encoding="utf-8"?>
+<file path=ppt/slides/slide23.xml><?xml version="1.0" encoding="utf-8"?>
 <p:sld xmlns:a="http://schemas.openxmlformats.org/drawingml/2006/main" xmlns:r="http://schemas.openxmlformats.org/officeDocument/2006/relationships" xmlns:p="http://schemas.openxmlformats.org/presentationml/2006/main">
   <p:cSld>
     <p:spTree>
